--- a/如果你想知道.pptx
+++ b/如果你想知道.pptx
@@ -2,19 +2,24 @@
 <file path=ppt/presentation.xml><?xml version="1.0" encoding="utf-8"?>
 <p:presentation xmlns:a="http://schemas.openxmlformats.org/drawingml/2006/main" xmlns:r="http://schemas.openxmlformats.org/officeDocument/2006/relationships" xmlns:p="http://schemas.openxmlformats.org/presentationml/2006/main" saveSubsetFonts="1">
   <p:sldMasterIdLst>
-    <p:sldMasterId id="2147483648" r:id="rId1"/>
+    <p:sldMasterId id="2147483660" r:id="rId1"/>
   </p:sldMasterIdLst>
   <p:sldIdLst>
     <p:sldId id="257" r:id="rId2"/>
     <p:sldId id="258" r:id="rId3"/>
     <p:sldId id="259" r:id="rId4"/>
     <p:sldId id="260" r:id="rId5"/>
+    <p:sldId id="261" r:id="rId6"/>
+    <p:sldId id="262" r:id="rId7"/>
+    <p:sldId id="263" r:id="rId8"/>
+    <p:sldId id="264" r:id="rId9"/>
+    <p:sldId id="265" r:id="rId10"/>
   </p:sldIdLst>
-  <p:sldSz cx="9144000" cy="6858000" type="screen4x3"/>
+  <p:sldSz cx="12192000" cy="6858000"/>
   <p:notesSz cx="6858000" cy="9144000"/>
   <p:defaultTextStyle>
     <a:defPPr>
-      <a:defRPr lang="zh-TW"/>
+      <a:defRPr lang="vi-VN"/>
     </a:defPPr>
     <a:lvl1pPr marL="0" algn="l" defTabSz="914400" rtl="0" eaLnBrk="1" latinLnBrk="0" hangingPunct="1">
       <a:defRPr sz="1800" kern="1200">
@@ -139,8 +144,8 @@
         </p:nvSpPr>
         <p:spPr>
           <a:xfrm>
-            <a:off x="685800" y="2130425"/>
-            <a:ext cx="7772400" cy="1470025"/>
+            <a:off x="914400" y="2130428"/>
+            <a:ext cx="10363200" cy="1470025"/>
           </a:xfrm>
         </p:spPr>
         <p:txBody>
@@ -148,8 +153,8 @@
           <a:lstStyle/>
           <a:p>
             <a:r>
-              <a:rPr lang="zh-TW" altLang="en-US" smtClean="0"/>
-              <a:t>按一下以編輯母片標題樣式</a:t>
+              <a:rPr lang="en-US" altLang="zh-TW" smtClean="0"/>
+              <a:t>Click to edit Master title style</a:t>
             </a:r>
             <a:endParaRPr lang="zh-TW" altLang="en-US"/>
           </a:p>
@@ -167,8 +172,8 @@
         </p:nvSpPr>
         <p:spPr>
           <a:xfrm>
-            <a:off x="1371600" y="3886200"/>
-            <a:ext cx="6400800" cy="1752600"/>
+            <a:off x="1828800" y="3886200"/>
+            <a:ext cx="8534400" cy="1752600"/>
           </a:xfrm>
         </p:spPr>
         <p:txBody>
@@ -184,7 +189,7 @@
                 </a:solidFill>
               </a:defRPr>
             </a:lvl1pPr>
-            <a:lvl2pPr marL="457200" indent="0" algn="ctr">
+            <a:lvl2pPr marL="609585" indent="0" algn="ctr">
               <a:buNone/>
               <a:defRPr>
                 <a:solidFill>
@@ -194,7 +199,7 @@
                 </a:solidFill>
               </a:defRPr>
             </a:lvl2pPr>
-            <a:lvl3pPr marL="914400" indent="0" algn="ctr">
+            <a:lvl3pPr marL="1219170" indent="0" algn="ctr">
               <a:buNone/>
               <a:defRPr>
                 <a:solidFill>
@@ -204,7 +209,7 @@
                 </a:solidFill>
               </a:defRPr>
             </a:lvl3pPr>
-            <a:lvl4pPr marL="1371600" indent="0" algn="ctr">
+            <a:lvl4pPr marL="1828754" indent="0" algn="ctr">
               <a:buNone/>
               <a:defRPr>
                 <a:solidFill>
@@ -214,7 +219,7 @@
                 </a:solidFill>
               </a:defRPr>
             </a:lvl4pPr>
-            <a:lvl5pPr marL="1828800" indent="0" algn="ctr">
+            <a:lvl5pPr marL="2438339" indent="0" algn="ctr">
               <a:buNone/>
               <a:defRPr>
                 <a:solidFill>
@@ -224,7 +229,7 @@
                 </a:solidFill>
               </a:defRPr>
             </a:lvl5pPr>
-            <a:lvl6pPr marL="2286000" indent="0" algn="ctr">
+            <a:lvl6pPr marL="3047924" indent="0" algn="ctr">
               <a:buNone/>
               <a:defRPr>
                 <a:solidFill>
@@ -234,7 +239,7 @@
                 </a:solidFill>
               </a:defRPr>
             </a:lvl6pPr>
-            <a:lvl7pPr marL="2743200" indent="0" algn="ctr">
+            <a:lvl7pPr marL="3657509" indent="0" algn="ctr">
               <a:buNone/>
               <a:defRPr>
                 <a:solidFill>
@@ -244,7 +249,7 @@
                 </a:solidFill>
               </a:defRPr>
             </a:lvl7pPr>
-            <a:lvl8pPr marL="3200400" indent="0" algn="ctr">
+            <a:lvl8pPr marL="4267093" indent="0" algn="ctr">
               <a:buNone/>
               <a:defRPr>
                 <a:solidFill>
@@ -254,7 +259,7 @@
                 </a:solidFill>
               </a:defRPr>
             </a:lvl8pPr>
-            <a:lvl9pPr marL="3657600" indent="0" algn="ctr">
+            <a:lvl9pPr marL="4876678" indent="0" algn="ctr">
               <a:buNone/>
               <a:defRPr>
                 <a:solidFill>
@@ -267,8 +272,8 @@
           </a:lstStyle>
           <a:p>
             <a:r>
-              <a:rPr lang="zh-TW" altLang="en-US" smtClean="0"/>
-              <a:t>按一下以編輯母片副標題樣式</a:t>
+              <a:rPr lang="en-US" altLang="zh-TW" smtClean="0"/>
+              <a:t>Click to edit Master subtitle style</a:t>
             </a:r>
             <a:endParaRPr lang="zh-TW" altLang="en-US"/>
           </a:p>
@@ -289,11 +294,11 @@
           <a:bodyPr/>
           <a:lstStyle/>
           <a:p>
-            <a:fld id="{19BCE7CC-2B86-48A9-9D5D-2D4C2CB981BA}" type="datetimeFigureOut">
-              <a:rPr lang="zh-TW" altLang="en-US" smtClean="0"/>
-              <a:t>2018/11/20</a:t>
+            <a:fld id="{CD8D5D3D-062F-405B-AE6C-45B26AE17269}" type="datetimeFigureOut">
+              <a:rPr lang="vi-VN" smtClean="0"/>
+              <a:t>19/11/2022</a:t>
             </a:fld>
-            <a:endParaRPr lang="zh-TW" altLang="en-US"/>
+            <a:endParaRPr lang="vi-VN"/>
           </a:p>
         </p:txBody>
       </p:sp>
@@ -312,7 +317,7 @@
           <a:bodyPr/>
           <a:lstStyle/>
           <a:p>
-            <a:endParaRPr lang="zh-TW" altLang="en-US"/>
+            <a:endParaRPr lang="vi-VN"/>
           </a:p>
         </p:txBody>
       </p:sp>
@@ -331,15 +336,20 @@
           <a:bodyPr/>
           <a:lstStyle/>
           <a:p>
-            <a:fld id="{1FA62C99-121E-4F11-89EE-FA232A8F239D}" type="slidenum">
-              <a:rPr lang="zh-TW" altLang="en-US" smtClean="0"/>
+            <a:fld id="{7B3EFE34-C0C1-45CA-85DA-04621CDCCFFD}" type="slidenum">
+              <a:rPr lang="vi-VN" smtClean="0"/>
               <a:t>‹#›</a:t>
             </a:fld>
-            <a:endParaRPr lang="zh-TW" altLang="en-US"/>
+            <a:endParaRPr lang="vi-VN"/>
           </a:p>
         </p:txBody>
       </p:sp>
     </p:spTree>
+    <p:extLst>
+      <p:ext uri="{BB962C8B-B14F-4D97-AF65-F5344CB8AC3E}">
+        <p14:creationId xmlns:p14="http://schemas.microsoft.com/office/powerpoint/2010/main" val="4076490092"/>
+      </p:ext>
+    </p:extLst>
   </p:cSld>
   <p:clrMapOvr>
     <a:masterClrMapping/>
@@ -380,8 +390,8 @@
           <a:lstStyle/>
           <a:p>
             <a:r>
-              <a:rPr lang="zh-TW" altLang="en-US" smtClean="0"/>
-              <a:t>按一下以編輯母片標題樣式</a:t>
+              <a:rPr lang="en-US" altLang="zh-TW" smtClean="0"/>
+              <a:t>Click to edit Master title style</a:t>
             </a:r>
             <a:endParaRPr lang="zh-TW" altLang="en-US"/>
           </a:p>
@@ -404,36 +414,36 @@
           <a:p>
             <a:pPr lvl="0"/>
             <a:r>
-              <a:rPr lang="zh-TW" altLang="en-US" smtClean="0"/>
-              <a:t>按一下以編輯母片文字樣式</a:t>
+              <a:rPr lang="en-US" altLang="zh-TW" smtClean="0"/>
+              <a:t>Edit Master text styles</a:t>
             </a:r>
           </a:p>
           <a:p>
             <a:pPr lvl="1"/>
             <a:r>
-              <a:rPr lang="zh-TW" altLang="en-US" smtClean="0"/>
-              <a:t>第二層</a:t>
+              <a:rPr lang="en-US" altLang="zh-TW" smtClean="0"/>
+              <a:t>Second level</a:t>
             </a:r>
           </a:p>
           <a:p>
             <a:pPr lvl="2"/>
             <a:r>
-              <a:rPr lang="zh-TW" altLang="en-US" smtClean="0"/>
-              <a:t>第三層</a:t>
+              <a:rPr lang="en-US" altLang="zh-TW" smtClean="0"/>
+              <a:t>Third level</a:t>
             </a:r>
           </a:p>
           <a:p>
             <a:pPr lvl="3"/>
             <a:r>
-              <a:rPr lang="zh-TW" altLang="en-US" smtClean="0"/>
-              <a:t>第四層</a:t>
+              <a:rPr lang="en-US" altLang="zh-TW" smtClean="0"/>
+              <a:t>Fourth level</a:t>
             </a:r>
           </a:p>
           <a:p>
             <a:pPr lvl="4"/>
             <a:r>
-              <a:rPr lang="zh-TW" altLang="en-US" smtClean="0"/>
-              <a:t>第五層</a:t>
+              <a:rPr lang="en-US" altLang="zh-TW" smtClean="0"/>
+              <a:t>Fifth level</a:t>
             </a:r>
             <a:endParaRPr lang="zh-TW" altLang="en-US"/>
           </a:p>
@@ -454,11 +464,11 @@
           <a:bodyPr/>
           <a:lstStyle/>
           <a:p>
-            <a:fld id="{19BCE7CC-2B86-48A9-9D5D-2D4C2CB981BA}" type="datetimeFigureOut">
-              <a:rPr lang="zh-TW" altLang="en-US" smtClean="0"/>
-              <a:t>2018/11/20</a:t>
+            <a:fld id="{CD8D5D3D-062F-405B-AE6C-45B26AE17269}" type="datetimeFigureOut">
+              <a:rPr lang="vi-VN" smtClean="0"/>
+              <a:t>19/11/2022</a:t>
             </a:fld>
-            <a:endParaRPr lang="zh-TW" altLang="en-US"/>
+            <a:endParaRPr lang="vi-VN"/>
           </a:p>
         </p:txBody>
       </p:sp>
@@ -477,7 +487,7 @@
           <a:bodyPr/>
           <a:lstStyle/>
           <a:p>
-            <a:endParaRPr lang="zh-TW" altLang="en-US"/>
+            <a:endParaRPr lang="vi-VN"/>
           </a:p>
         </p:txBody>
       </p:sp>
@@ -496,15 +506,20 @@
           <a:bodyPr/>
           <a:lstStyle/>
           <a:p>
-            <a:fld id="{1FA62C99-121E-4F11-89EE-FA232A8F239D}" type="slidenum">
-              <a:rPr lang="zh-TW" altLang="en-US" smtClean="0"/>
+            <a:fld id="{7B3EFE34-C0C1-45CA-85DA-04621CDCCFFD}" type="slidenum">
+              <a:rPr lang="vi-VN" smtClean="0"/>
               <a:t>‹#›</a:t>
             </a:fld>
-            <a:endParaRPr lang="zh-TW" altLang="en-US"/>
+            <a:endParaRPr lang="vi-VN"/>
           </a:p>
         </p:txBody>
       </p:sp>
     </p:spTree>
+    <p:extLst>
+      <p:ext uri="{BB962C8B-B14F-4D97-AF65-F5344CB8AC3E}">
+        <p14:creationId xmlns:p14="http://schemas.microsoft.com/office/powerpoint/2010/main" val="1093492879"/>
+      </p:ext>
+    </p:extLst>
   </p:cSld>
   <p:clrMapOvr>
     <a:masterClrMapping/>
@@ -541,8 +556,8 @@
         </p:nvSpPr>
         <p:spPr>
           <a:xfrm>
-            <a:off x="6629400" y="274638"/>
-            <a:ext cx="2057400" cy="5851525"/>
+            <a:off x="8839200" y="274639"/>
+            <a:ext cx="2743200" cy="5851525"/>
           </a:xfrm>
         </p:spPr>
         <p:txBody>
@@ -550,8 +565,8 @@
           <a:lstStyle/>
           <a:p>
             <a:r>
-              <a:rPr lang="zh-TW" altLang="en-US" smtClean="0"/>
-              <a:t>按一下以編輯母片標題樣式</a:t>
+              <a:rPr lang="en-US" altLang="zh-TW" smtClean="0"/>
+              <a:t>Click to edit Master title style</a:t>
             </a:r>
             <a:endParaRPr lang="zh-TW" altLang="en-US"/>
           </a:p>
@@ -569,8 +584,8 @@
         </p:nvSpPr>
         <p:spPr>
           <a:xfrm>
-            <a:off x="457200" y="274638"/>
-            <a:ext cx="6019800" cy="5851525"/>
+            <a:off x="609600" y="274639"/>
+            <a:ext cx="8026400" cy="5851525"/>
           </a:xfrm>
         </p:spPr>
         <p:txBody>
@@ -579,36 +594,36 @@
           <a:p>
             <a:pPr lvl="0"/>
             <a:r>
-              <a:rPr lang="zh-TW" altLang="en-US" smtClean="0"/>
-              <a:t>按一下以編輯母片文字樣式</a:t>
+              <a:rPr lang="en-US" altLang="zh-TW" smtClean="0"/>
+              <a:t>Edit Master text styles</a:t>
             </a:r>
           </a:p>
           <a:p>
             <a:pPr lvl="1"/>
             <a:r>
-              <a:rPr lang="zh-TW" altLang="en-US" smtClean="0"/>
-              <a:t>第二層</a:t>
+              <a:rPr lang="en-US" altLang="zh-TW" smtClean="0"/>
+              <a:t>Second level</a:t>
             </a:r>
           </a:p>
           <a:p>
             <a:pPr lvl="2"/>
             <a:r>
-              <a:rPr lang="zh-TW" altLang="en-US" smtClean="0"/>
-              <a:t>第三層</a:t>
+              <a:rPr lang="en-US" altLang="zh-TW" smtClean="0"/>
+              <a:t>Third level</a:t>
             </a:r>
           </a:p>
           <a:p>
             <a:pPr lvl="3"/>
             <a:r>
-              <a:rPr lang="zh-TW" altLang="en-US" smtClean="0"/>
-              <a:t>第四層</a:t>
+              <a:rPr lang="en-US" altLang="zh-TW" smtClean="0"/>
+              <a:t>Fourth level</a:t>
             </a:r>
           </a:p>
           <a:p>
             <a:pPr lvl="4"/>
             <a:r>
-              <a:rPr lang="zh-TW" altLang="en-US" smtClean="0"/>
-              <a:t>第五層</a:t>
+              <a:rPr lang="en-US" altLang="zh-TW" smtClean="0"/>
+              <a:t>Fifth level</a:t>
             </a:r>
             <a:endParaRPr lang="zh-TW" altLang="en-US"/>
           </a:p>
@@ -629,11 +644,11 @@
           <a:bodyPr/>
           <a:lstStyle/>
           <a:p>
-            <a:fld id="{19BCE7CC-2B86-48A9-9D5D-2D4C2CB981BA}" type="datetimeFigureOut">
-              <a:rPr lang="zh-TW" altLang="en-US" smtClean="0"/>
-              <a:t>2018/11/20</a:t>
+            <a:fld id="{CD8D5D3D-062F-405B-AE6C-45B26AE17269}" type="datetimeFigureOut">
+              <a:rPr lang="vi-VN" smtClean="0"/>
+              <a:t>19/11/2022</a:t>
             </a:fld>
-            <a:endParaRPr lang="zh-TW" altLang="en-US"/>
+            <a:endParaRPr lang="vi-VN"/>
           </a:p>
         </p:txBody>
       </p:sp>
@@ -652,7 +667,7 @@
           <a:bodyPr/>
           <a:lstStyle/>
           <a:p>
-            <a:endParaRPr lang="zh-TW" altLang="en-US"/>
+            <a:endParaRPr lang="vi-VN"/>
           </a:p>
         </p:txBody>
       </p:sp>
@@ -671,15 +686,20 @@
           <a:bodyPr/>
           <a:lstStyle/>
           <a:p>
-            <a:fld id="{1FA62C99-121E-4F11-89EE-FA232A8F239D}" type="slidenum">
-              <a:rPr lang="zh-TW" altLang="en-US" smtClean="0"/>
+            <a:fld id="{7B3EFE34-C0C1-45CA-85DA-04621CDCCFFD}" type="slidenum">
+              <a:rPr lang="vi-VN" smtClean="0"/>
               <a:t>‹#›</a:t>
             </a:fld>
-            <a:endParaRPr lang="zh-TW" altLang="en-US"/>
+            <a:endParaRPr lang="vi-VN"/>
           </a:p>
         </p:txBody>
       </p:sp>
     </p:spTree>
+    <p:extLst>
+      <p:ext uri="{BB962C8B-B14F-4D97-AF65-F5344CB8AC3E}">
+        <p14:creationId xmlns:p14="http://schemas.microsoft.com/office/powerpoint/2010/main" val="238884378"/>
+      </p:ext>
+    </p:extLst>
   </p:cSld>
   <p:clrMapOvr>
     <a:masterClrMapping/>
@@ -720,8 +740,8 @@
           <a:lstStyle/>
           <a:p>
             <a:r>
-              <a:rPr lang="zh-TW" altLang="en-US" smtClean="0"/>
-              <a:t>按一下以編輯母片標題樣式</a:t>
+              <a:rPr lang="en-US" altLang="zh-TW" smtClean="0"/>
+              <a:t>Click to edit Master title style</a:t>
             </a:r>
             <a:endParaRPr lang="zh-TW" altLang="en-US"/>
           </a:p>
@@ -744,36 +764,36 @@
           <a:p>
             <a:pPr lvl="0"/>
             <a:r>
-              <a:rPr lang="zh-TW" altLang="en-US" smtClean="0"/>
-              <a:t>按一下以編輯母片文字樣式</a:t>
+              <a:rPr lang="en-US" altLang="zh-TW" smtClean="0"/>
+              <a:t>Edit Master text styles</a:t>
             </a:r>
           </a:p>
           <a:p>
             <a:pPr lvl="1"/>
             <a:r>
-              <a:rPr lang="zh-TW" altLang="en-US" smtClean="0"/>
-              <a:t>第二層</a:t>
+              <a:rPr lang="en-US" altLang="zh-TW" smtClean="0"/>
+              <a:t>Second level</a:t>
             </a:r>
           </a:p>
           <a:p>
             <a:pPr lvl="2"/>
             <a:r>
-              <a:rPr lang="zh-TW" altLang="en-US" smtClean="0"/>
-              <a:t>第三層</a:t>
+              <a:rPr lang="en-US" altLang="zh-TW" smtClean="0"/>
+              <a:t>Third level</a:t>
             </a:r>
           </a:p>
           <a:p>
             <a:pPr lvl="3"/>
             <a:r>
-              <a:rPr lang="zh-TW" altLang="en-US" smtClean="0"/>
-              <a:t>第四層</a:t>
+              <a:rPr lang="en-US" altLang="zh-TW" smtClean="0"/>
+              <a:t>Fourth level</a:t>
             </a:r>
           </a:p>
           <a:p>
             <a:pPr lvl="4"/>
             <a:r>
-              <a:rPr lang="zh-TW" altLang="en-US" smtClean="0"/>
-              <a:t>第五層</a:t>
+              <a:rPr lang="en-US" altLang="zh-TW" smtClean="0"/>
+              <a:t>Fifth level</a:t>
             </a:r>
             <a:endParaRPr lang="zh-TW" altLang="en-US"/>
           </a:p>
@@ -794,11 +814,11 @@
           <a:bodyPr/>
           <a:lstStyle/>
           <a:p>
-            <a:fld id="{19BCE7CC-2B86-48A9-9D5D-2D4C2CB981BA}" type="datetimeFigureOut">
-              <a:rPr lang="zh-TW" altLang="en-US" smtClean="0"/>
-              <a:t>2018/11/20</a:t>
+            <a:fld id="{CD8D5D3D-062F-405B-AE6C-45B26AE17269}" type="datetimeFigureOut">
+              <a:rPr lang="vi-VN" smtClean="0"/>
+              <a:t>19/11/2022</a:t>
             </a:fld>
-            <a:endParaRPr lang="zh-TW" altLang="en-US"/>
+            <a:endParaRPr lang="vi-VN"/>
           </a:p>
         </p:txBody>
       </p:sp>
@@ -817,7 +837,7 @@
           <a:bodyPr/>
           <a:lstStyle/>
           <a:p>
-            <a:endParaRPr lang="zh-TW" altLang="en-US"/>
+            <a:endParaRPr lang="vi-VN"/>
           </a:p>
         </p:txBody>
       </p:sp>
@@ -836,15 +856,20 @@
           <a:bodyPr/>
           <a:lstStyle/>
           <a:p>
-            <a:fld id="{1FA62C99-121E-4F11-89EE-FA232A8F239D}" type="slidenum">
-              <a:rPr lang="zh-TW" altLang="en-US" smtClean="0"/>
+            <a:fld id="{7B3EFE34-C0C1-45CA-85DA-04621CDCCFFD}" type="slidenum">
+              <a:rPr lang="vi-VN" smtClean="0"/>
               <a:t>‹#›</a:t>
             </a:fld>
-            <a:endParaRPr lang="zh-TW" altLang="en-US"/>
+            <a:endParaRPr lang="vi-VN"/>
           </a:p>
         </p:txBody>
       </p:sp>
     </p:spTree>
+    <p:extLst>
+      <p:ext uri="{BB962C8B-B14F-4D97-AF65-F5344CB8AC3E}">
+        <p14:creationId xmlns:p14="http://schemas.microsoft.com/office/powerpoint/2010/main" val="3269863069"/>
+      </p:ext>
+    </p:extLst>
   </p:cSld>
   <p:clrMapOvr>
     <a:masterClrMapping/>
@@ -881,21 +906,21 @@
         </p:nvSpPr>
         <p:spPr>
           <a:xfrm>
-            <a:off x="722313" y="4406900"/>
-            <a:ext cx="7772400" cy="1362075"/>
+            <a:off x="963084" y="4406901"/>
+            <a:ext cx="10363200" cy="1362075"/>
           </a:xfrm>
         </p:spPr>
         <p:txBody>
           <a:bodyPr anchor="t"/>
           <a:lstStyle>
             <a:lvl1pPr algn="l">
-              <a:defRPr sz="4000" b="1" cap="all"/>
+              <a:defRPr sz="5333" b="1" cap="all"/>
             </a:lvl1pPr>
           </a:lstStyle>
           <a:p>
             <a:r>
-              <a:rPr lang="zh-TW" altLang="en-US" smtClean="0"/>
-              <a:t>按一下以編輯母片標題樣式</a:t>
+              <a:rPr lang="en-US" altLang="zh-TW" smtClean="0"/>
+              <a:t>Click to edit Master title style</a:t>
             </a:r>
             <a:endParaRPr lang="zh-TW" altLang="en-US"/>
           </a:p>
@@ -913,8 +938,8 @@
         </p:nvSpPr>
         <p:spPr>
           <a:xfrm>
-            <a:off x="722313" y="2906713"/>
-            <a:ext cx="7772400" cy="1500187"/>
+            <a:off x="963084" y="2906713"/>
+            <a:ext cx="10363200" cy="1500187"/>
           </a:xfrm>
         </p:spPr>
         <p:txBody>
@@ -922,7 +947,7 @@
           <a:lstStyle>
             <a:lvl1pPr marL="0" indent="0">
               <a:buNone/>
-              <a:defRPr sz="2000">
+              <a:defRPr sz="2667">
                 <a:solidFill>
                   <a:schemeClr val="tx1">
                     <a:tint val="75000"/>
@@ -930,9 +955,9 @@
                 </a:solidFill>
               </a:defRPr>
             </a:lvl1pPr>
-            <a:lvl2pPr marL="457200" indent="0">
-              <a:buNone/>
-              <a:defRPr sz="1800">
+            <a:lvl2pPr marL="609585" indent="0">
+              <a:buNone/>
+              <a:defRPr sz="2400">
                 <a:solidFill>
                   <a:schemeClr val="tx1">
                     <a:tint val="75000"/>
@@ -940,9 +965,9 @@
                 </a:solidFill>
               </a:defRPr>
             </a:lvl2pPr>
-            <a:lvl3pPr marL="914400" indent="0">
-              <a:buNone/>
-              <a:defRPr sz="1600">
+            <a:lvl3pPr marL="1219170" indent="0">
+              <a:buNone/>
+              <a:defRPr sz="2133">
                 <a:solidFill>
                   <a:schemeClr val="tx1">
                     <a:tint val="75000"/>
@@ -950,9 +975,9 @@
                 </a:solidFill>
               </a:defRPr>
             </a:lvl3pPr>
-            <a:lvl4pPr marL="1371600" indent="0">
-              <a:buNone/>
-              <a:defRPr sz="1400">
+            <a:lvl4pPr marL="1828754" indent="0">
+              <a:buNone/>
+              <a:defRPr sz="1867">
                 <a:solidFill>
                   <a:schemeClr val="tx1">
                     <a:tint val="75000"/>
@@ -960,9 +985,9 @@
                 </a:solidFill>
               </a:defRPr>
             </a:lvl4pPr>
-            <a:lvl5pPr marL="1828800" indent="0">
-              <a:buNone/>
-              <a:defRPr sz="1400">
+            <a:lvl5pPr marL="2438339" indent="0">
+              <a:buNone/>
+              <a:defRPr sz="1867">
                 <a:solidFill>
                   <a:schemeClr val="tx1">
                     <a:tint val="75000"/>
@@ -970,9 +995,9 @@
                 </a:solidFill>
               </a:defRPr>
             </a:lvl5pPr>
-            <a:lvl6pPr marL="2286000" indent="0">
-              <a:buNone/>
-              <a:defRPr sz="1400">
+            <a:lvl6pPr marL="3047924" indent="0">
+              <a:buNone/>
+              <a:defRPr sz="1867">
                 <a:solidFill>
                   <a:schemeClr val="tx1">
                     <a:tint val="75000"/>
@@ -980,9 +1005,9 @@
                 </a:solidFill>
               </a:defRPr>
             </a:lvl6pPr>
-            <a:lvl7pPr marL="2743200" indent="0">
-              <a:buNone/>
-              <a:defRPr sz="1400">
+            <a:lvl7pPr marL="3657509" indent="0">
+              <a:buNone/>
+              <a:defRPr sz="1867">
                 <a:solidFill>
                   <a:schemeClr val="tx1">
                     <a:tint val="75000"/>
@@ -990,9 +1015,9 @@
                 </a:solidFill>
               </a:defRPr>
             </a:lvl7pPr>
-            <a:lvl8pPr marL="3200400" indent="0">
-              <a:buNone/>
-              <a:defRPr sz="1400">
+            <a:lvl8pPr marL="4267093" indent="0">
+              <a:buNone/>
+              <a:defRPr sz="1867">
                 <a:solidFill>
                   <a:schemeClr val="tx1">
                     <a:tint val="75000"/>
@@ -1000,9 +1025,9 @@
                 </a:solidFill>
               </a:defRPr>
             </a:lvl8pPr>
-            <a:lvl9pPr marL="3657600" indent="0">
-              <a:buNone/>
-              <a:defRPr sz="1400">
+            <a:lvl9pPr marL="4876678" indent="0">
+              <a:buNone/>
+              <a:defRPr sz="1867">
                 <a:solidFill>
                   <a:schemeClr val="tx1">
                     <a:tint val="75000"/>
@@ -1014,8 +1039,8 @@
           <a:p>
             <a:pPr lvl="0"/>
             <a:r>
-              <a:rPr lang="zh-TW" altLang="en-US" smtClean="0"/>
-              <a:t>按一下以編輯母片文字樣式</a:t>
+              <a:rPr lang="en-US" altLang="zh-TW" smtClean="0"/>
+              <a:t>Edit Master text styles</a:t>
             </a:r>
           </a:p>
         </p:txBody>
@@ -1035,11 +1060,11 @@
           <a:bodyPr/>
           <a:lstStyle/>
           <a:p>
-            <a:fld id="{19BCE7CC-2B86-48A9-9D5D-2D4C2CB981BA}" type="datetimeFigureOut">
-              <a:rPr lang="zh-TW" altLang="en-US" smtClean="0"/>
-              <a:t>2018/11/20</a:t>
+            <a:fld id="{CD8D5D3D-062F-405B-AE6C-45B26AE17269}" type="datetimeFigureOut">
+              <a:rPr lang="vi-VN" smtClean="0"/>
+              <a:t>19/11/2022</a:t>
             </a:fld>
-            <a:endParaRPr lang="zh-TW" altLang="en-US"/>
+            <a:endParaRPr lang="vi-VN"/>
           </a:p>
         </p:txBody>
       </p:sp>
@@ -1058,7 +1083,7 @@
           <a:bodyPr/>
           <a:lstStyle/>
           <a:p>
-            <a:endParaRPr lang="zh-TW" altLang="en-US"/>
+            <a:endParaRPr lang="vi-VN"/>
           </a:p>
         </p:txBody>
       </p:sp>
@@ -1077,15 +1102,20 @@
           <a:bodyPr/>
           <a:lstStyle/>
           <a:p>
-            <a:fld id="{1FA62C99-121E-4F11-89EE-FA232A8F239D}" type="slidenum">
-              <a:rPr lang="zh-TW" altLang="en-US" smtClean="0"/>
+            <a:fld id="{7B3EFE34-C0C1-45CA-85DA-04621CDCCFFD}" type="slidenum">
+              <a:rPr lang="vi-VN" smtClean="0"/>
               <a:t>‹#›</a:t>
             </a:fld>
-            <a:endParaRPr lang="zh-TW" altLang="en-US"/>
+            <a:endParaRPr lang="vi-VN"/>
           </a:p>
         </p:txBody>
       </p:sp>
     </p:spTree>
+    <p:extLst>
+      <p:ext uri="{BB962C8B-B14F-4D97-AF65-F5344CB8AC3E}">
+        <p14:creationId xmlns:p14="http://schemas.microsoft.com/office/powerpoint/2010/main" val="4189684577"/>
+      </p:ext>
+    </p:extLst>
   </p:cSld>
   <p:clrMapOvr>
     <a:masterClrMapping/>
@@ -1126,8 +1156,8 @@
           <a:lstStyle/>
           <a:p>
             <a:r>
-              <a:rPr lang="zh-TW" altLang="en-US" smtClean="0"/>
-              <a:t>按一下以編輯母片標題樣式</a:t>
+              <a:rPr lang="en-US" altLang="zh-TW" smtClean="0"/>
+              <a:t>Click to edit Master title style</a:t>
             </a:r>
             <a:endParaRPr lang="zh-TW" altLang="en-US"/>
           </a:p>
@@ -1145,74 +1175,74 @@
         </p:nvSpPr>
         <p:spPr>
           <a:xfrm>
-            <a:off x="457200" y="1600200"/>
-            <a:ext cx="4038600" cy="4525963"/>
+            <a:off x="609600" y="1600201"/>
+            <a:ext cx="5384800" cy="4525963"/>
           </a:xfrm>
         </p:spPr>
         <p:txBody>
           <a:bodyPr/>
           <a:lstStyle>
             <a:lvl1pPr>
-              <a:defRPr sz="2800"/>
+              <a:defRPr sz="3733"/>
             </a:lvl1pPr>
             <a:lvl2pPr>
-              <a:defRPr sz="2400"/>
+              <a:defRPr sz="3200"/>
             </a:lvl2pPr>
             <a:lvl3pPr>
-              <a:defRPr sz="2000"/>
+              <a:defRPr sz="2667"/>
             </a:lvl3pPr>
             <a:lvl4pPr>
-              <a:defRPr sz="1800"/>
+              <a:defRPr sz="2400"/>
             </a:lvl4pPr>
             <a:lvl5pPr>
-              <a:defRPr sz="1800"/>
+              <a:defRPr sz="2400"/>
             </a:lvl5pPr>
             <a:lvl6pPr>
-              <a:defRPr sz="1800"/>
+              <a:defRPr sz="2400"/>
             </a:lvl6pPr>
             <a:lvl7pPr>
-              <a:defRPr sz="1800"/>
+              <a:defRPr sz="2400"/>
             </a:lvl7pPr>
             <a:lvl8pPr>
-              <a:defRPr sz="1800"/>
+              <a:defRPr sz="2400"/>
             </a:lvl8pPr>
             <a:lvl9pPr>
-              <a:defRPr sz="1800"/>
+              <a:defRPr sz="2400"/>
             </a:lvl9pPr>
           </a:lstStyle>
           <a:p>
             <a:pPr lvl="0"/>
             <a:r>
-              <a:rPr lang="zh-TW" altLang="en-US" smtClean="0"/>
-              <a:t>按一下以編輯母片文字樣式</a:t>
+              <a:rPr lang="en-US" altLang="zh-TW" smtClean="0"/>
+              <a:t>Edit Master text styles</a:t>
             </a:r>
           </a:p>
           <a:p>
             <a:pPr lvl="1"/>
             <a:r>
-              <a:rPr lang="zh-TW" altLang="en-US" smtClean="0"/>
-              <a:t>第二層</a:t>
+              <a:rPr lang="en-US" altLang="zh-TW" smtClean="0"/>
+              <a:t>Second level</a:t>
             </a:r>
           </a:p>
           <a:p>
             <a:pPr lvl="2"/>
             <a:r>
-              <a:rPr lang="zh-TW" altLang="en-US" smtClean="0"/>
-              <a:t>第三層</a:t>
+              <a:rPr lang="en-US" altLang="zh-TW" smtClean="0"/>
+              <a:t>Third level</a:t>
             </a:r>
           </a:p>
           <a:p>
             <a:pPr lvl="3"/>
             <a:r>
-              <a:rPr lang="zh-TW" altLang="en-US" smtClean="0"/>
-              <a:t>第四層</a:t>
+              <a:rPr lang="en-US" altLang="zh-TW" smtClean="0"/>
+              <a:t>Fourth level</a:t>
             </a:r>
           </a:p>
           <a:p>
             <a:pPr lvl="4"/>
             <a:r>
-              <a:rPr lang="zh-TW" altLang="en-US" smtClean="0"/>
-              <a:t>第五層</a:t>
+              <a:rPr lang="en-US" altLang="zh-TW" smtClean="0"/>
+              <a:t>Fifth level</a:t>
             </a:r>
             <a:endParaRPr lang="zh-TW" altLang="en-US"/>
           </a:p>
@@ -1230,74 +1260,74 @@
         </p:nvSpPr>
         <p:spPr>
           <a:xfrm>
-            <a:off x="4648200" y="1600200"/>
-            <a:ext cx="4038600" cy="4525963"/>
+            <a:off x="6197600" y="1600201"/>
+            <a:ext cx="5384800" cy="4525963"/>
           </a:xfrm>
         </p:spPr>
         <p:txBody>
           <a:bodyPr/>
           <a:lstStyle>
             <a:lvl1pPr>
-              <a:defRPr sz="2800"/>
+              <a:defRPr sz="3733"/>
             </a:lvl1pPr>
             <a:lvl2pPr>
-              <a:defRPr sz="2400"/>
+              <a:defRPr sz="3200"/>
             </a:lvl2pPr>
             <a:lvl3pPr>
-              <a:defRPr sz="2000"/>
+              <a:defRPr sz="2667"/>
             </a:lvl3pPr>
             <a:lvl4pPr>
-              <a:defRPr sz="1800"/>
+              <a:defRPr sz="2400"/>
             </a:lvl4pPr>
             <a:lvl5pPr>
-              <a:defRPr sz="1800"/>
+              <a:defRPr sz="2400"/>
             </a:lvl5pPr>
             <a:lvl6pPr>
-              <a:defRPr sz="1800"/>
+              <a:defRPr sz="2400"/>
             </a:lvl6pPr>
             <a:lvl7pPr>
-              <a:defRPr sz="1800"/>
+              <a:defRPr sz="2400"/>
             </a:lvl7pPr>
             <a:lvl8pPr>
-              <a:defRPr sz="1800"/>
+              <a:defRPr sz="2400"/>
             </a:lvl8pPr>
             <a:lvl9pPr>
-              <a:defRPr sz="1800"/>
+              <a:defRPr sz="2400"/>
             </a:lvl9pPr>
           </a:lstStyle>
           <a:p>
             <a:pPr lvl="0"/>
             <a:r>
-              <a:rPr lang="zh-TW" altLang="en-US" smtClean="0"/>
-              <a:t>按一下以編輯母片文字樣式</a:t>
+              <a:rPr lang="en-US" altLang="zh-TW" smtClean="0"/>
+              <a:t>Edit Master text styles</a:t>
             </a:r>
           </a:p>
           <a:p>
             <a:pPr lvl="1"/>
             <a:r>
-              <a:rPr lang="zh-TW" altLang="en-US" smtClean="0"/>
-              <a:t>第二層</a:t>
+              <a:rPr lang="en-US" altLang="zh-TW" smtClean="0"/>
+              <a:t>Second level</a:t>
             </a:r>
           </a:p>
           <a:p>
             <a:pPr lvl="2"/>
             <a:r>
-              <a:rPr lang="zh-TW" altLang="en-US" smtClean="0"/>
-              <a:t>第三層</a:t>
+              <a:rPr lang="en-US" altLang="zh-TW" smtClean="0"/>
+              <a:t>Third level</a:t>
             </a:r>
           </a:p>
           <a:p>
             <a:pPr lvl="3"/>
             <a:r>
-              <a:rPr lang="zh-TW" altLang="en-US" smtClean="0"/>
-              <a:t>第四層</a:t>
+              <a:rPr lang="en-US" altLang="zh-TW" smtClean="0"/>
+              <a:t>Fourth level</a:t>
             </a:r>
           </a:p>
           <a:p>
             <a:pPr lvl="4"/>
             <a:r>
-              <a:rPr lang="zh-TW" altLang="en-US" smtClean="0"/>
-              <a:t>第五層</a:t>
+              <a:rPr lang="en-US" altLang="zh-TW" smtClean="0"/>
+              <a:t>Fifth level</a:t>
             </a:r>
             <a:endParaRPr lang="zh-TW" altLang="en-US"/>
           </a:p>
@@ -1318,11 +1348,11 @@
           <a:bodyPr/>
           <a:lstStyle/>
           <a:p>
-            <a:fld id="{19BCE7CC-2B86-48A9-9D5D-2D4C2CB981BA}" type="datetimeFigureOut">
-              <a:rPr lang="zh-TW" altLang="en-US" smtClean="0"/>
-              <a:t>2018/11/20</a:t>
+            <a:fld id="{CD8D5D3D-062F-405B-AE6C-45B26AE17269}" type="datetimeFigureOut">
+              <a:rPr lang="vi-VN" smtClean="0"/>
+              <a:t>19/11/2022</a:t>
             </a:fld>
-            <a:endParaRPr lang="zh-TW" altLang="en-US"/>
+            <a:endParaRPr lang="vi-VN"/>
           </a:p>
         </p:txBody>
       </p:sp>
@@ -1341,7 +1371,7 @@
           <a:bodyPr/>
           <a:lstStyle/>
           <a:p>
-            <a:endParaRPr lang="zh-TW" altLang="en-US"/>
+            <a:endParaRPr lang="vi-VN"/>
           </a:p>
         </p:txBody>
       </p:sp>
@@ -1360,15 +1390,20 @@
           <a:bodyPr/>
           <a:lstStyle/>
           <a:p>
-            <a:fld id="{1FA62C99-121E-4F11-89EE-FA232A8F239D}" type="slidenum">
-              <a:rPr lang="zh-TW" altLang="en-US" smtClean="0"/>
+            <a:fld id="{7B3EFE34-C0C1-45CA-85DA-04621CDCCFFD}" type="slidenum">
+              <a:rPr lang="vi-VN" smtClean="0"/>
               <a:t>‹#›</a:t>
             </a:fld>
-            <a:endParaRPr lang="zh-TW" altLang="en-US"/>
+            <a:endParaRPr lang="vi-VN"/>
           </a:p>
         </p:txBody>
       </p:sp>
     </p:spTree>
+    <p:extLst>
+      <p:ext uri="{BB962C8B-B14F-4D97-AF65-F5344CB8AC3E}">
+        <p14:creationId xmlns:p14="http://schemas.microsoft.com/office/powerpoint/2010/main" val="411272281"/>
+      </p:ext>
+    </p:extLst>
   </p:cSld>
   <p:clrMapOvr>
     <a:masterClrMapping/>
@@ -1413,8 +1448,8 @@
           </a:lstStyle>
           <a:p>
             <a:r>
-              <a:rPr lang="zh-TW" altLang="en-US" smtClean="0"/>
-              <a:t>按一下以編輯母片標題樣式</a:t>
+              <a:rPr lang="en-US" altLang="zh-TW" smtClean="0"/>
+              <a:t>Click to edit Master title style</a:t>
             </a:r>
             <a:endParaRPr lang="zh-TW" altLang="en-US"/>
           </a:p>
@@ -1432,8 +1467,8 @@
         </p:nvSpPr>
         <p:spPr>
           <a:xfrm>
-            <a:off x="457200" y="1535113"/>
-            <a:ext cx="4040188" cy="639762"/>
+            <a:off x="609600" y="1535113"/>
+            <a:ext cx="5386917" cy="639763"/>
           </a:xfrm>
         </p:spPr>
         <p:txBody>
@@ -1441,46 +1476,46 @@
           <a:lstStyle>
             <a:lvl1pPr marL="0" indent="0">
               <a:buNone/>
+              <a:defRPr sz="3200" b="1"/>
+            </a:lvl1pPr>
+            <a:lvl2pPr marL="609585" indent="0">
+              <a:buNone/>
+              <a:defRPr sz="2667" b="1"/>
+            </a:lvl2pPr>
+            <a:lvl3pPr marL="1219170" indent="0">
+              <a:buNone/>
               <a:defRPr sz="2400" b="1"/>
-            </a:lvl1pPr>
-            <a:lvl2pPr marL="457200" indent="0">
-              <a:buNone/>
-              <a:defRPr sz="2000" b="1"/>
-            </a:lvl2pPr>
-            <a:lvl3pPr marL="914400" indent="0">
-              <a:buNone/>
-              <a:defRPr sz="1800" b="1"/>
             </a:lvl3pPr>
-            <a:lvl4pPr marL="1371600" indent="0">
-              <a:buNone/>
-              <a:defRPr sz="1600" b="1"/>
+            <a:lvl4pPr marL="1828754" indent="0">
+              <a:buNone/>
+              <a:defRPr sz="2133" b="1"/>
             </a:lvl4pPr>
-            <a:lvl5pPr marL="1828800" indent="0">
-              <a:buNone/>
-              <a:defRPr sz="1600" b="1"/>
+            <a:lvl5pPr marL="2438339" indent="0">
+              <a:buNone/>
+              <a:defRPr sz="2133" b="1"/>
             </a:lvl5pPr>
-            <a:lvl6pPr marL="2286000" indent="0">
-              <a:buNone/>
-              <a:defRPr sz="1600" b="1"/>
+            <a:lvl6pPr marL="3047924" indent="0">
+              <a:buNone/>
+              <a:defRPr sz="2133" b="1"/>
             </a:lvl6pPr>
-            <a:lvl7pPr marL="2743200" indent="0">
-              <a:buNone/>
-              <a:defRPr sz="1600" b="1"/>
+            <a:lvl7pPr marL="3657509" indent="0">
+              <a:buNone/>
+              <a:defRPr sz="2133" b="1"/>
             </a:lvl7pPr>
-            <a:lvl8pPr marL="3200400" indent="0">
-              <a:buNone/>
-              <a:defRPr sz="1600" b="1"/>
+            <a:lvl8pPr marL="4267093" indent="0">
+              <a:buNone/>
+              <a:defRPr sz="2133" b="1"/>
             </a:lvl8pPr>
-            <a:lvl9pPr marL="3657600" indent="0">
-              <a:buNone/>
-              <a:defRPr sz="1600" b="1"/>
+            <a:lvl9pPr marL="4876678" indent="0">
+              <a:buNone/>
+              <a:defRPr sz="2133" b="1"/>
             </a:lvl9pPr>
           </a:lstStyle>
           <a:p>
             <a:pPr lvl="0"/>
             <a:r>
-              <a:rPr lang="zh-TW" altLang="en-US" smtClean="0"/>
-              <a:t>按一下以編輯母片文字樣式</a:t>
+              <a:rPr lang="en-US" altLang="zh-TW" smtClean="0"/>
+              <a:t>Edit Master text styles</a:t>
             </a:r>
           </a:p>
         </p:txBody>
@@ -1497,74 +1532,74 @@
         </p:nvSpPr>
         <p:spPr>
           <a:xfrm>
-            <a:off x="457200" y="2174875"/>
-            <a:ext cx="4040188" cy="3951288"/>
+            <a:off x="609600" y="2174875"/>
+            <a:ext cx="5386917" cy="3951288"/>
           </a:xfrm>
         </p:spPr>
         <p:txBody>
           <a:bodyPr/>
           <a:lstStyle>
             <a:lvl1pPr>
-              <a:defRPr sz="2400"/>
+              <a:defRPr sz="3200"/>
             </a:lvl1pPr>
             <a:lvl2pPr>
-              <a:defRPr sz="2000"/>
+              <a:defRPr sz="2667"/>
             </a:lvl2pPr>
             <a:lvl3pPr>
-              <a:defRPr sz="1800"/>
+              <a:defRPr sz="2400"/>
             </a:lvl3pPr>
             <a:lvl4pPr>
-              <a:defRPr sz="1600"/>
+              <a:defRPr sz="2133"/>
             </a:lvl4pPr>
             <a:lvl5pPr>
-              <a:defRPr sz="1600"/>
+              <a:defRPr sz="2133"/>
             </a:lvl5pPr>
             <a:lvl6pPr>
-              <a:defRPr sz="1600"/>
+              <a:defRPr sz="2133"/>
             </a:lvl6pPr>
             <a:lvl7pPr>
-              <a:defRPr sz="1600"/>
+              <a:defRPr sz="2133"/>
             </a:lvl7pPr>
             <a:lvl8pPr>
-              <a:defRPr sz="1600"/>
+              <a:defRPr sz="2133"/>
             </a:lvl8pPr>
             <a:lvl9pPr>
-              <a:defRPr sz="1600"/>
+              <a:defRPr sz="2133"/>
             </a:lvl9pPr>
           </a:lstStyle>
           <a:p>
             <a:pPr lvl="0"/>
             <a:r>
-              <a:rPr lang="zh-TW" altLang="en-US" smtClean="0"/>
-              <a:t>按一下以編輯母片文字樣式</a:t>
+              <a:rPr lang="en-US" altLang="zh-TW" smtClean="0"/>
+              <a:t>Edit Master text styles</a:t>
             </a:r>
           </a:p>
           <a:p>
             <a:pPr lvl="1"/>
             <a:r>
-              <a:rPr lang="zh-TW" altLang="en-US" smtClean="0"/>
-              <a:t>第二層</a:t>
+              <a:rPr lang="en-US" altLang="zh-TW" smtClean="0"/>
+              <a:t>Second level</a:t>
             </a:r>
           </a:p>
           <a:p>
             <a:pPr lvl="2"/>
             <a:r>
-              <a:rPr lang="zh-TW" altLang="en-US" smtClean="0"/>
-              <a:t>第三層</a:t>
+              <a:rPr lang="en-US" altLang="zh-TW" smtClean="0"/>
+              <a:t>Third level</a:t>
             </a:r>
           </a:p>
           <a:p>
             <a:pPr lvl="3"/>
             <a:r>
-              <a:rPr lang="zh-TW" altLang="en-US" smtClean="0"/>
-              <a:t>第四層</a:t>
+              <a:rPr lang="en-US" altLang="zh-TW" smtClean="0"/>
+              <a:t>Fourth level</a:t>
             </a:r>
           </a:p>
           <a:p>
             <a:pPr lvl="4"/>
             <a:r>
-              <a:rPr lang="zh-TW" altLang="en-US" smtClean="0"/>
-              <a:t>第五層</a:t>
+              <a:rPr lang="en-US" altLang="zh-TW" smtClean="0"/>
+              <a:t>Fifth level</a:t>
             </a:r>
             <a:endParaRPr lang="zh-TW" altLang="en-US"/>
           </a:p>
@@ -1582,8 +1617,8 @@
         </p:nvSpPr>
         <p:spPr>
           <a:xfrm>
-            <a:off x="4645025" y="1535113"/>
-            <a:ext cx="4041775" cy="639762"/>
+            <a:off x="6193372" y="1535113"/>
+            <a:ext cx="5389033" cy="639763"/>
           </a:xfrm>
         </p:spPr>
         <p:txBody>
@@ -1591,46 +1626,46 @@
           <a:lstStyle>
             <a:lvl1pPr marL="0" indent="0">
               <a:buNone/>
+              <a:defRPr sz="3200" b="1"/>
+            </a:lvl1pPr>
+            <a:lvl2pPr marL="609585" indent="0">
+              <a:buNone/>
+              <a:defRPr sz="2667" b="1"/>
+            </a:lvl2pPr>
+            <a:lvl3pPr marL="1219170" indent="0">
+              <a:buNone/>
               <a:defRPr sz="2400" b="1"/>
-            </a:lvl1pPr>
-            <a:lvl2pPr marL="457200" indent="0">
-              <a:buNone/>
-              <a:defRPr sz="2000" b="1"/>
-            </a:lvl2pPr>
-            <a:lvl3pPr marL="914400" indent="0">
-              <a:buNone/>
-              <a:defRPr sz="1800" b="1"/>
             </a:lvl3pPr>
-            <a:lvl4pPr marL="1371600" indent="0">
-              <a:buNone/>
-              <a:defRPr sz="1600" b="1"/>
+            <a:lvl4pPr marL="1828754" indent="0">
+              <a:buNone/>
+              <a:defRPr sz="2133" b="1"/>
             </a:lvl4pPr>
-            <a:lvl5pPr marL="1828800" indent="0">
-              <a:buNone/>
-              <a:defRPr sz="1600" b="1"/>
+            <a:lvl5pPr marL="2438339" indent="0">
+              <a:buNone/>
+              <a:defRPr sz="2133" b="1"/>
             </a:lvl5pPr>
-            <a:lvl6pPr marL="2286000" indent="0">
-              <a:buNone/>
-              <a:defRPr sz="1600" b="1"/>
+            <a:lvl6pPr marL="3047924" indent="0">
+              <a:buNone/>
+              <a:defRPr sz="2133" b="1"/>
             </a:lvl6pPr>
-            <a:lvl7pPr marL="2743200" indent="0">
-              <a:buNone/>
-              <a:defRPr sz="1600" b="1"/>
+            <a:lvl7pPr marL="3657509" indent="0">
+              <a:buNone/>
+              <a:defRPr sz="2133" b="1"/>
             </a:lvl7pPr>
-            <a:lvl8pPr marL="3200400" indent="0">
-              <a:buNone/>
-              <a:defRPr sz="1600" b="1"/>
+            <a:lvl8pPr marL="4267093" indent="0">
+              <a:buNone/>
+              <a:defRPr sz="2133" b="1"/>
             </a:lvl8pPr>
-            <a:lvl9pPr marL="3657600" indent="0">
-              <a:buNone/>
-              <a:defRPr sz="1600" b="1"/>
+            <a:lvl9pPr marL="4876678" indent="0">
+              <a:buNone/>
+              <a:defRPr sz="2133" b="1"/>
             </a:lvl9pPr>
           </a:lstStyle>
           <a:p>
             <a:pPr lvl="0"/>
             <a:r>
-              <a:rPr lang="zh-TW" altLang="en-US" smtClean="0"/>
-              <a:t>按一下以編輯母片文字樣式</a:t>
+              <a:rPr lang="en-US" altLang="zh-TW" smtClean="0"/>
+              <a:t>Edit Master text styles</a:t>
             </a:r>
           </a:p>
         </p:txBody>
@@ -1647,74 +1682,74 @@
         </p:nvSpPr>
         <p:spPr>
           <a:xfrm>
-            <a:off x="4645025" y="2174875"/>
-            <a:ext cx="4041775" cy="3951288"/>
+            <a:off x="6193372" y="2174875"/>
+            <a:ext cx="5389033" cy="3951288"/>
           </a:xfrm>
         </p:spPr>
         <p:txBody>
           <a:bodyPr/>
           <a:lstStyle>
             <a:lvl1pPr>
-              <a:defRPr sz="2400"/>
+              <a:defRPr sz="3200"/>
             </a:lvl1pPr>
             <a:lvl2pPr>
-              <a:defRPr sz="2000"/>
+              <a:defRPr sz="2667"/>
             </a:lvl2pPr>
             <a:lvl3pPr>
-              <a:defRPr sz="1800"/>
+              <a:defRPr sz="2400"/>
             </a:lvl3pPr>
             <a:lvl4pPr>
-              <a:defRPr sz="1600"/>
+              <a:defRPr sz="2133"/>
             </a:lvl4pPr>
             <a:lvl5pPr>
-              <a:defRPr sz="1600"/>
+              <a:defRPr sz="2133"/>
             </a:lvl5pPr>
             <a:lvl6pPr>
-              <a:defRPr sz="1600"/>
+              <a:defRPr sz="2133"/>
             </a:lvl6pPr>
             <a:lvl7pPr>
-              <a:defRPr sz="1600"/>
+              <a:defRPr sz="2133"/>
             </a:lvl7pPr>
             <a:lvl8pPr>
-              <a:defRPr sz="1600"/>
+              <a:defRPr sz="2133"/>
             </a:lvl8pPr>
             <a:lvl9pPr>
-              <a:defRPr sz="1600"/>
+              <a:defRPr sz="2133"/>
             </a:lvl9pPr>
           </a:lstStyle>
           <a:p>
             <a:pPr lvl="0"/>
             <a:r>
-              <a:rPr lang="zh-TW" altLang="en-US" smtClean="0"/>
-              <a:t>按一下以編輯母片文字樣式</a:t>
+              <a:rPr lang="en-US" altLang="zh-TW" smtClean="0"/>
+              <a:t>Edit Master text styles</a:t>
             </a:r>
           </a:p>
           <a:p>
             <a:pPr lvl="1"/>
             <a:r>
-              <a:rPr lang="zh-TW" altLang="en-US" smtClean="0"/>
-              <a:t>第二層</a:t>
+              <a:rPr lang="en-US" altLang="zh-TW" smtClean="0"/>
+              <a:t>Second level</a:t>
             </a:r>
           </a:p>
           <a:p>
             <a:pPr lvl="2"/>
             <a:r>
-              <a:rPr lang="zh-TW" altLang="en-US" smtClean="0"/>
-              <a:t>第三層</a:t>
+              <a:rPr lang="en-US" altLang="zh-TW" smtClean="0"/>
+              <a:t>Third level</a:t>
             </a:r>
           </a:p>
           <a:p>
             <a:pPr lvl="3"/>
             <a:r>
-              <a:rPr lang="zh-TW" altLang="en-US" smtClean="0"/>
-              <a:t>第四層</a:t>
+              <a:rPr lang="en-US" altLang="zh-TW" smtClean="0"/>
+              <a:t>Fourth level</a:t>
             </a:r>
           </a:p>
           <a:p>
             <a:pPr lvl="4"/>
             <a:r>
-              <a:rPr lang="zh-TW" altLang="en-US" smtClean="0"/>
-              <a:t>第五層</a:t>
+              <a:rPr lang="en-US" altLang="zh-TW" smtClean="0"/>
+              <a:t>Fifth level</a:t>
             </a:r>
             <a:endParaRPr lang="zh-TW" altLang="en-US"/>
           </a:p>
@@ -1735,11 +1770,11 @@
           <a:bodyPr/>
           <a:lstStyle/>
           <a:p>
-            <a:fld id="{19BCE7CC-2B86-48A9-9D5D-2D4C2CB981BA}" type="datetimeFigureOut">
-              <a:rPr lang="zh-TW" altLang="en-US" smtClean="0"/>
-              <a:t>2018/11/20</a:t>
+            <a:fld id="{CD8D5D3D-062F-405B-AE6C-45B26AE17269}" type="datetimeFigureOut">
+              <a:rPr lang="vi-VN" smtClean="0"/>
+              <a:t>19/11/2022</a:t>
             </a:fld>
-            <a:endParaRPr lang="zh-TW" altLang="en-US"/>
+            <a:endParaRPr lang="vi-VN"/>
           </a:p>
         </p:txBody>
       </p:sp>
@@ -1758,7 +1793,7 @@
           <a:bodyPr/>
           <a:lstStyle/>
           <a:p>
-            <a:endParaRPr lang="zh-TW" altLang="en-US"/>
+            <a:endParaRPr lang="vi-VN"/>
           </a:p>
         </p:txBody>
       </p:sp>
@@ -1777,15 +1812,20 @@
           <a:bodyPr/>
           <a:lstStyle/>
           <a:p>
-            <a:fld id="{1FA62C99-121E-4F11-89EE-FA232A8F239D}" type="slidenum">
-              <a:rPr lang="zh-TW" altLang="en-US" smtClean="0"/>
+            <a:fld id="{7B3EFE34-C0C1-45CA-85DA-04621CDCCFFD}" type="slidenum">
+              <a:rPr lang="vi-VN" smtClean="0"/>
               <a:t>‹#›</a:t>
             </a:fld>
-            <a:endParaRPr lang="zh-TW" altLang="en-US"/>
+            <a:endParaRPr lang="vi-VN"/>
           </a:p>
         </p:txBody>
       </p:sp>
     </p:spTree>
+    <p:extLst>
+      <p:ext uri="{BB962C8B-B14F-4D97-AF65-F5344CB8AC3E}">
+        <p14:creationId xmlns:p14="http://schemas.microsoft.com/office/powerpoint/2010/main" val="1107969922"/>
+      </p:ext>
+    </p:extLst>
   </p:cSld>
   <p:clrMapOvr>
     <a:masterClrMapping/>
@@ -1826,8 +1866,8 @@
           <a:lstStyle/>
           <a:p>
             <a:r>
-              <a:rPr lang="zh-TW" altLang="en-US" smtClean="0"/>
-              <a:t>按一下以編輯母片標題樣式</a:t>
+              <a:rPr lang="en-US" altLang="zh-TW" smtClean="0"/>
+              <a:t>Click to edit Master title style</a:t>
             </a:r>
             <a:endParaRPr lang="zh-TW" altLang="en-US"/>
           </a:p>
@@ -1848,11 +1888,11 @@
           <a:bodyPr/>
           <a:lstStyle/>
           <a:p>
-            <a:fld id="{19BCE7CC-2B86-48A9-9D5D-2D4C2CB981BA}" type="datetimeFigureOut">
-              <a:rPr lang="zh-TW" altLang="en-US" smtClean="0"/>
-              <a:t>2018/11/20</a:t>
+            <a:fld id="{CD8D5D3D-062F-405B-AE6C-45B26AE17269}" type="datetimeFigureOut">
+              <a:rPr lang="vi-VN" smtClean="0"/>
+              <a:t>19/11/2022</a:t>
             </a:fld>
-            <a:endParaRPr lang="zh-TW" altLang="en-US"/>
+            <a:endParaRPr lang="vi-VN"/>
           </a:p>
         </p:txBody>
       </p:sp>
@@ -1871,7 +1911,7 @@
           <a:bodyPr/>
           <a:lstStyle/>
           <a:p>
-            <a:endParaRPr lang="zh-TW" altLang="en-US"/>
+            <a:endParaRPr lang="vi-VN"/>
           </a:p>
         </p:txBody>
       </p:sp>
@@ -1890,15 +1930,20 @@
           <a:bodyPr/>
           <a:lstStyle/>
           <a:p>
-            <a:fld id="{1FA62C99-121E-4F11-89EE-FA232A8F239D}" type="slidenum">
-              <a:rPr lang="zh-TW" altLang="en-US" smtClean="0"/>
+            <a:fld id="{7B3EFE34-C0C1-45CA-85DA-04621CDCCFFD}" type="slidenum">
+              <a:rPr lang="vi-VN" smtClean="0"/>
               <a:t>‹#›</a:t>
             </a:fld>
-            <a:endParaRPr lang="zh-TW" altLang="en-US"/>
+            <a:endParaRPr lang="vi-VN"/>
           </a:p>
         </p:txBody>
       </p:sp>
     </p:spTree>
+    <p:extLst>
+      <p:ext uri="{BB962C8B-B14F-4D97-AF65-F5344CB8AC3E}">
+        <p14:creationId xmlns:p14="http://schemas.microsoft.com/office/powerpoint/2010/main" val="852484634"/>
+      </p:ext>
+    </p:extLst>
   </p:cSld>
   <p:clrMapOvr>
     <a:masterClrMapping/>
@@ -1938,11 +1983,11 @@
           <a:bodyPr/>
           <a:lstStyle/>
           <a:p>
-            <a:fld id="{19BCE7CC-2B86-48A9-9D5D-2D4C2CB981BA}" type="datetimeFigureOut">
-              <a:rPr lang="zh-TW" altLang="en-US" smtClean="0"/>
-              <a:t>2018/11/20</a:t>
+            <a:fld id="{CD8D5D3D-062F-405B-AE6C-45B26AE17269}" type="datetimeFigureOut">
+              <a:rPr lang="vi-VN" smtClean="0"/>
+              <a:t>19/11/2022</a:t>
             </a:fld>
-            <a:endParaRPr lang="zh-TW" altLang="en-US"/>
+            <a:endParaRPr lang="vi-VN"/>
           </a:p>
         </p:txBody>
       </p:sp>
@@ -1961,7 +2006,7 @@
           <a:bodyPr/>
           <a:lstStyle/>
           <a:p>
-            <a:endParaRPr lang="zh-TW" altLang="en-US"/>
+            <a:endParaRPr lang="vi-VN"/>
           </a:p>
         </p:txBody>
       </p:sp>
@@ -1980,15 +2025,20 @@
           <a:bodyPr/>
           <a:lstStyle/>
           <a:p>
-            <a:fld id="{1FA62C99-121E-4F11-89EE-FA232A8F239D}" type="slidenum">
-              <a:rPr lang="zh-TW" altLang="en-US" smtClean="0"/>
+            <a:fld id="{7B3EFE34-C0C1-45CA-85DA-04621CDCCFFD}" type="slidenum">
+              <a:rPr lang="vi-VN" smtClean="0"/>
               <a:t>‹#›</a:t>
             </a:fld>
-            <a:endParaRPr lang="zh-TW" altLang="en-US"/>
+            <a:endParaRPr lang="vi-VN"/>
           </a:p>
         </p:txBody>
       </p:sp>
     </p:spTree>
+    <p:extLst>
+      <p:ext uri="{BB962C8B-B14F-4D97-AF65-F5344CB8AC3E}">
+        <p14:creationId xmlns:p14="http://schemas.microsoft.com/office/powerpoint/2010/main" val="3893197500"/>
+      </p:ext>
+    </p:extLst>
   </p:cSld>
   <p:clrMapOvr>
     <a:masterClrMapping/>
@@ -2025,21 +2075,21 @@
         </p:nvSpPr>
         <p:spPr>
           <a:xfrm>
-            <a:off x="457200" y="273050"/>
-            <a:ext cx="3008313" cy="1162050"/>
+            <a:off x="609603" y="273049"/>
+            <a:ext cx="4011084" cy="1162051"/>
           </a:xfrm>
         </p:spPr>
         <p:txBody>
           <a:bodyPr anchor="b"/>
           <a:lstStyle>
             <a:lvl1pPr algn="l">
-              <a:defRPr sz="2000" b="1"/>
+              <a:defRPr sz="2667" b="1"/>
             </a:lvl1pPr>
           </a:lstStyle>
           <a:p>
             <a:r>
-              <a:rPr lang="zh-TW" altLang="en-US" smtClean="0"/>
-              <a:t>按一下以編輯母片標題樣式</a:t>
+              <a:rPr lang="en-US" altLang="zh-TW" smtClean="0"/>
+              <a:t>Click to edit Master title style</a:t>
             </a:r>
             <a:endParaRPr lang="zh-TW" altLang="en-US"/>
           </a:p>
@@ -2057,74 +2107,74 @@
         </p:nvSpPr>
         <p:spPr>
           <a:xfrm>
-            <a:off x="3575050" y="273050"/>
-            <a:ext cx="5111750" cy="5853113"/>
+            <a:off x="4766733" y="273053"/>
+            <a:ext cx="6815667" cy="5853113"/>
           </a:xfrm>
         </p:spPr>
         <p:txBody>
           <a:bodyPr/>
           <a:lstStyle>
             <a:lvl1pPr>
-              <a:defRPr sz="3200"/>
+              <a:defRPr sz="4267"/>
             </a:lvl1pPr>
             <a:lvl2pPr>
-              <a:defRPr sz="2800"/>
+              <a:defRPr sz="3733"/>
             </a:lvl2pPr>
             <a:lvl3pPr>
-              <a:defRPr sz="2400"/>
+              <a:defRPr sz="3200"/>
             </a:lvl3pPr>
             <a:lvl4pPr>
-              <a:defRPr sz="2000"/>
+              <a:defRPr sz="2667"/>
             </a:lvl4pPr>
             <a:lvl5pPr>
-              <a:defRPr sz="2000"/>
+              <a:defRPr sz="2667"/>
             </a:lvl5pPr>
             <a:lvl6pPr>
-              <a:defRPr sz="2000"/>
+              <a:defRPr sz="2667"/>
             </a:lvl6pPr>
             <a:lvl7pPr>
-              <a:defRPr sz="2000"/>
+              <a:defRPr sz="2667"/>
             </a:lvl7pPr>
             <a:lvl8pPr>
-              <a:defRPr sz="2000"/>
+              <a:defRPr sz="2667"/>
             </a:lvl8pPr>
             <a:lvl9pPr>
-              <a:defRPr sz="2000"/>
+              <a:defRPr sz="2667"/>
             </a:lvl9pPr>
           </a:lstStyle>
           <a:p>
             <a:pPr lvl="0"/>
             <a:r>
-              <a:rPr lang="zh-TW" altLang="en-US" smtClean="0"/>
-              <a:t>按一下以編輯母片文字樣式</a:t>
+              <a:rPr lang="en-US" altLang="zh-TW" smtClean="0"/>
+              <a:t>Edit Master text styles</a:t>
             </a:r>
           </a:p>
           <a:p>
             <a:pPr lvl="1"/>
             <a:r>
-              <a:rPr lang="zh-TW" altLang="en-US" smtClean="0"/>
-              <a:t>第二層</a:t>
+              <a:rPr lang="en-US" altLang="zh-TW" smtClean="0"/>
+              <a:t>Second level</a:t>
             </a:r>
           </a:p>
           <a:p>
             <a:pPr lvl="2"/>
             <a:r>
-              <a:rPr lang="zh-TW" altLang="en-US" smtClean="0"/>
-              <a:t>第三層</a:t>
+              <a:rPr lang="en-US" altLang="zh-TW" smtClean="0"/>
+              <a:t>Third level</a:t>
             </a:r>
           </a:p>
           <a:p>
             <a:pPr lvl="3"/>
             <a:r>
-              <a:rPr lang="zh-TW" altLang="en-US" smtClean="0"/>
-              <a:t>第四層</a:t>
+              <a:rPr lang="en-US" altLang="zh-TW" smtClean="0"/>
+              <a:t>Fourth level</a:t>
             </a:r>
           </a:p>
           <a:p>
             <a:pPr lvl="4"/>
             <a:r>
-              <a:rPr lang="zh-TW" altLang="en-US" smtClean="0"/>
-              <a:t>第五層</a:t>
+              <a:rPr lang="en-US" altLang="zh-TW" smtClean="0"/>
+              <a:t>Fifth level</a:t>
             </a:r>
             <a:endParaRPr lang="zh-TW" altLang="en-US"/>
           </a:p>
@@ -2142,8 +2192,8 @@
         </p:nvSpPr>
         <p:spPr>
           <a:xfrm>
-            <a:off x="457200" y="1435100"/>
-            <a:ext cx="3008313" cy="4691063"/>
+            <a:off x="609603" y="1435103"/>
+            <a:ext cx="4011084" cy="4691063"/>
           </a:xfrm>
         </p:spPr>
         <p:txBody>
@@ -2151,46 +2201,46 @@
           <a:lstStyle>
             <a:lvl1pPr marL="0" indent="0">
               <a:buNone/>
-              <a:defRPr sz="1400"/>
+              <a:defRPr sz="1867"/>
             </a:lvl1pPr>
-            <a:lvl2pPr marL="457200" indent="0">
+            <a:lvl2pPr marL="609585" indent="0">
+              <a:buNone/>
+              <a:defRPr sz="1600"/>
+            </a:lvl2pPr>
+            <a:lvl3pPr marL="1219170" indent="0">
+              <a:buNone/>
+              <a:defRPr sz="1333"/>
+            </a:lvl3pPr>
+            <a:lvl4pPr marL="1828754" indent="0">
               <a:buNone/>
               <a:defRPr sz="1200"/>
-            </a:lvl2pPr>
-            <a:lvl3pPr marL="914400" indent="0">
-              <a:buNone/>
-              <a:defRPr sz="1000"/>
-            </a:lvl3pPr>
-            <a:lvl4pPr marL="1371600" indent="0">
-              <a:buNone/>
-              <a:defRPr sz="900"/>
             </a:lvl4pPr>
-            <a:lvl5pPr marL="1828800" indent="0">
-              <a:buNone/>
-              <a:defRPr sz="900"/>
+            <a:lvl5pPr marL="2438339" indent="0">
+              <a:buNone/>
+              <a:defRPr sz="1200"/>
             </a:lvl5pPr>
-            <a:lvl6pPr marL="2286000" indent="0">
-              <a:buNone/>
-              <a:defRPr sz="900"/>
+            <a:lvl6pPr marL="3047924" indent="0">
+              <a:buNone/>
+              <a:defRPr sz="1200"/>
             </a:lvl6pPr>
-            <a:lvl7pPr marL="2743200" indent="0">
-              <a:buNone/>
-              <a:defRPr sz="900"/>
+            <a:lvl7pPr marL="3657509" indent="0">
+              <a:buNone/>
+              <a:defRPr sz="1200"/>
             </a:lvl7pPr>
-            <a:lvl8pPr marL="3200400" indent="0">
-              <a:buNone/>
-              <a:defRPr sz="900"/>
+            <a:lvl8pPr marL="4267093" indent="0">
+              <a:buNone/>
+              <a:defRPr sz="1200"/>
             </a:lvl8pPr>
-            <a:lvl9pPr marL="3657600" indent="0">
-              <a:buNone/>
-              <a:defRPr sz="900"/>
+            <a:lvl9pPr marL="4876678" indent="0">
+              <a:buNone/>
+              <a:defRPr sz="1200"/>
             </a:lvl9pPr>
           </a:lstStyle>
           <a:p>
             <a:pPr lvl="0"/>
             <a:r>
-              <a:rPr lang="zh-TW" altLang="en-US" smtClean="0"/>
-              <a:t>按一下以編輯母片文字樣式</a:t>
+              <a:rPr lang="en-US" altLang="zh-TW" smtClean="0"/>
+              <a:t>Edit Master text styles</a:t>
             </a:r>
           </a:p>
         </p:txBody>
@@ -2210,11 +2260,11 @@
           <a:bodyPr/>
           <a:lstStyle/>
           <a:p>
-            <a:fld id="{19BCE7CC-2B86-48A9-9D5D-2D4C2CB981BA}" type="datetimeFigureOut">
-              <a:rPr lang="zh-TW" altLang="en-US" smtClean="0"/>
-              <a:t>2018/11/20</a:t>
+            <a:fld id="{CD8D5D3D-062F-405B-AE6C-45B26AE17269}" type="datetimeFigureOut">
+              <a:rPr lang="vi-VN" smtClean="0"/>
+              <a:t>19/11/2022</a:t>
             </a:fld>
-            <a:endParaRPr lang="zh-TW" altLang="en-US"/>
+            <a:endParaRPr lang="vi-VN"/>
           </a:p>
         </p:txBody>
       </p:sp>
@@ -2233,7 +2283,7 @@
           <a:bodyPr/>
           <a:lstStyle/>
           <a:p>
-            <a:endParaRPr lang="zh-TW" altLang="en-US"/>
+            <a:endParaRPr lang="vi-VN"/>
           </a:p>
         </p:txBody>
       </p:sp>
@@ -2252,15 +2302,20 @@
           <a:bodyPr/>
           <a:lstStyle/>
           <a:p>
-            <a:fld id="{1FA62C99-121E-4F11-89EE-FA232A8F239D}" type="slidenum">
-              <a:rPr lang="zh-TW" altLang="en-US" smtClean="0"/>
+            <a:fld id="{7B3EFE34-C0C1-45CA-85DA-04621CDCCFFD}" type="slidenum">
+              <a:rPr lang="vi-VN" smtClean="0"/>
               <a:t>‹#›</a:t>
             </a:fld>
-            <a:endParaRPr lang="zh-TW" altLang="en-US"/>
+            <a:endParaRPr lang="vi-VN"/>
           </a:p>
         </p:txBody>
       </p:sp>
     </p:spTree>
+    <p:extLst>
+      <p:ext uri="{BB962C8B-B14F-4D97-AF65-F5344CB8AC3E}">
+        <p14:creationId xmlns:p14="http://schemas.microsoft.com/office/powerpoint/2010/main" val="3680722"/>
+      </p:ext>
+    </p:extLst>
   </p:cSld>
   <p:clrMapOvr>
     <a:masterClrMapping/>
@@ -2297,21 +2352,21 @@
         </p:nvSpPr>
         <p:spPr>
           <a:xfrm>
-            <a:off x="1792288" y="4800600"/>
-            <a:ext cx="5486400" cy="566738"/>
+            <a:off x="2389717" y="4800601"/>
+            <a:ext cx="7315200" cy="566739"/>
           </a:xfrm>
         </p:spPr>
         <p:txBody>
           <a:bodyPr anchor="b"/>
           <a:lstStyle>
             <a:lvl1pPr algn="l">
-              <a:defRPr sz="2000" b="1"/>
+              <a:defRPr sz="2667" b="1"/>
             </a:lvl1pPr>
           </a:lstStyle>
           <a:p>
             <a:r>
-              <a:rPr lang="zh-TW" altLang="en-US" smtClean="0"/>
-              <a:t>按一下以編輯母片標題樣式</a:t>
+              <a:rPr lang="en-US" altLang="zh-TW" smtClean="0"/>
+              <a:t>Click to edit Master title style</a:t>
             </a:r>
             <a:endParaRPr lang="zh-TW" altLang="en-US"/>
           </a:p>
@@ -2329,8 +2384,8 @@
         </p:nvSpPr>
         <p:spPr>
           <a:xfrm>
-            <a:off x="1792288" y="612775"/>
-            <a:ext cx="5486400" cy="4114800"/>
+            <a:off x="2389717" y="612775"/>
+            <a:ext cx="7315200" cy="4114800"/>
           </a:xfrm>
         </p:spPr>
         <p:txBody>
@@ -2338,42 +2393,46 @@
           <a:lstStyle>
             <a:lvl1pPr marL="0" indent="0">
               <a:buNone/>
+              <a:defRPr sz="4267"/>
+            </a:lvl1pPr>
+            <a:lvl2pPr marL="609585" indent="0">
+              <a:buNone/>
+              <a:defRPr sz="3733"/>
+            </a:lvl2pPr>
+            <a:lvl3pPr marL="1219170" indent="0">
+              <a:buNone/>
               <a:defRPr sz="3200"/>
-            </a:lvl1pPr>
-            <a:lvl2pPr marL="457200" indent="0">
-              <a:buNone/>
-              <a:defRPr sz="2800"/>
-            </a:lvl2pPr>
-            <a:lvl3pPr marL="914400" indent="0">
-              <a:buNone/>
-              <a:defRPr sz="2400"/>
             </a:lvl3pPr>
-            <a:lvl4pPr marL="1371600" indent="0">
-              <a:buNone/>
-              <a:defRPr sz="2000"/>
+            <a:lvl4pPr marL="1828754" indent="0">
+              <a:buNone/>
+              <a:defRPr sz="2667"/>
             </a:lvl4pPr>
-            <a:lvl5pPr marL="1828800" indent="0">
-              <a:buNone/>
-              <a:defRPr sz="2000"/>
+            <a:lvl5pPr marL="2438339" indent="0">
+              <a:buNone/>
+              <a:defRPr sz="2667"/>
             </a:lvl5pPr>
-            <a:lvl6pPr marL="2286000" indent="0">
-              <a:buNone/>
-              <a:defRPr sz="2000"/>
+            <a:lvl6pPr marL="3047924" indent="0">
+              <a:buNone/>
+              <a:defRPr sz="2667"/>
             </a:lvl6pPr>
-            <a:lvl7pPr marL="2743200" indent="0">
-              <a:buNone/>
-              <a:defRPr sz="2000"/>
+            <a:lvl7pPr marL="3657509" indent="0">
+              <a:buNone/>
+              <a:defRPr sz="2667"/>
             </a:lvl7pPr>
-            <a:lvl8pPr marL="3200400" indent="0">
-              <a:buNone/>
-              <a:defRPr sz="2000"/>
+            <a:lvl8pPr marL="4267093" indent="0">
+              <a:buNone/>
+              <a:defRPr sz="2667"/>
             </a:lvl8pPr>
-            <a:lvl9pPr marL="3657600" indent="0">
-              <a:buNone/>
-              <a:defRPr sz="2000"/>
+            <a:lvl9pPr marL="4876678" indent="0">
+              <a:buNone/>
+              <a:defRPr sz="2667"/>
             </a:lvl9pPr>
           </a:lstStyle>
           <a:p>
+            <a:r>
+              <a:rPr lang="en-US" altLang="zh-TW" smtClean="0"/>
+              <a:t>Click icon to add picture</a:t>
+            </a:r>
             <a:endParaRPr lang="zh-TW" altLang="en-US"/>
           </a:p>
         </p:txBody>
@@ -2390,8 +2449,8 @@
         </p:nvSpPr>
         <p:spPr>
           <a:xfrm>
-            <a:off x="1792288" y="5367338"/>
-            <a:ext cx="5486400" cy="804862"/>
+            <a:off x="2389717" y="5367339"/>
+            <a:ext cx="7315200" cy="804863"/>
           </a:xfrm>
         </p:spPr>
         <p:txBody>
@@ -2399,46 +2458,46 @@
           <a:lstStyle>
             <a:lvl1pPr marL="0" indent="0">
               <a:buNone/>
-              <a:defRPr sz="1400"/>
+              <a:defRPr sz="1867"/>
             </a:lvl1pPr>
-            <a:lvl2pPr marL="457200" indent="0">
+            <a:lvl2pPr marL="609585" indent="0">
+              <a:buNone/>
+              <a:defRPr sz="1600"/>
+            </a:lvl2pPr>
+            <a:lvl3pPr marL="1219170" indent="0">
+              <a:buNone/>
+              <a:defRPr sz="1333"/>
+            </a:lvl3pPr>
+            <a:lvl4pPr marL="1828754" indent="0">
               <a:buNone/>
               <a:defRPr sz="1200"/>
-            </a:lvl2pPr>
-            <a:lvl3pPr marL="914400" indent="0">
-              <a:buNone/>
-              <a:defRPr sz="1000"/>
-            </a:lvl3pPr>
-            <a:lvl4pPr marL="1371600" indent="0">
-              <a:buNone/>
-              <a:defRPr sz="900"/>
             </a:lvl4pPr>
-            <a:lvl5pPr marL="1828800" indent="0">
-              <a:buNone/>
-              <a:defRPr sz="900"/>
+            <a:lvl5pPr marL="2438339" indent="0">
+              <a:buNone/>
+              <a:defRPr sz="1200"/>
             </a:lvl5pPr>
-            <a:lvl6pPr marL="2286000" indent="0">
-              <a:buNone/>
-              <a:defRPr sz="900"/>
+            <a:lvl6pPr marL="3047924" indent="0">
+              <a:buNone/>
+              <a:defRPr sz="1200"/>
             </a:lvl6pPr>
-            <a:lvl7pPr marL="2743200" indent="0">
-              <a:buNone/>
-              <a:defRPr sz="900"/>
+            <a:lvl7pPr marL="3657509" indent="0">
+              <a:buNone/>
+              <a:defRPr sz="1200"/>
             </a:lvl7pPr>
-            <a:lvl8pPr marL="3200400" indent="0">
-              <a:buNone/>
-              <a:defRPr sz="900"/>
+            <a:lvl8pPr marL="4267093" indent="0">
+              <a:buNone/>
+              <a:defRPr sz="1200"/>
             </a:lvl8pPr>
-            <a:lvl9pPr marL="3657600" indent="0">
-              <a:buNone/>
-              <a:defRPr sz="900"/>
+            <a:lvl9pPr marL="4876678" indent="0">
+              <a:buNone/>
+              <a:defRPr sz="1200"/>
             </a:lvl9pPr>
           </a:lstStyle>
           <a:p>
             <a:pPr lvl="0"/>
             <a:r>
-              <a:rPr lang="zh-TW" altLang="en-US" smtClean="0"/>
-              <a:t>按一下以編輯母片文字樣式</a:t>
+              <a:rPr lang="en-US" altLang="zh-TW" smtClean="0"/>
+              <a:t>Edit Master text styles</a:t>
             </a:r>
           </a:p>
         </p:txBody>
@@ -2458,11 +2517,11 @@
           <a:bodyPr/>
           <a:lstStyle/>
           <a:p>
-            <a:fld id="{19BCE7CC-2B86-48A9-9D5D-2D4C2CB981BA}" type="datetimeFigureOut">
-              <a:rPr lang="zh-TW" altLang="en-US" smtClean="0"/>
-              <a:t>2018/11/20</a:t>
+            <a:fld id="{CD8D5D3D-062F-405B-AE6C-45B26AE17269}" type="datetimeFigureOut">
+              <a:rPr lang="vi-VN" smtClean="0"/>
+              <a:t>19/11/2022</a:t>
             </a:fld>
-            <a:endParaRPr lang="zh-TW" altLang="en-US"/>
+            <a:endParaRPr lang="vi-VN"/>
           </a:p>
         </p:txBody>
       </p:sp>
@@ -2481,7 +2540,7 @@
           <a:bodyPr/>
           <a:lstStyle/>
           <a:p>
-            <a:endParaRPr lang="zh-TW" altLang="en-US"/>
+            <a:endParaRPr lang="vi-VN"/>
           </a:p>
         </p:txBody>
       </p:sp>
@@ -2500,15 +2559,20 @@
           <a:bodyPr/>
           <a:lstStyle/>
           <a:p>
-            <a:fld id="{1FA62C99-121E-4F11-89EE-FA232A8F239D}" type="slidenum">
-              <a:rPr lang="zh-TW" altLang="en-US" smtClean="0"/>
+            <a:fld id="{7B3EFE34-C0C1-45CA-85DA-04621CDCCFFD}" type="slidenum">
+              <a:rPr lang="vi-VN" smtClean="0"/>
               <a:t>‹#›</a:t>
             </a:fld>
-            <a:endParaRPr lang="zh-TW" altLang="en-US"/>
+            <a:endParaRPr lang="vi-VN"/>
           </a:p>
         </p:txBody>
       </p:sp>
     </p:spTree>
+    <p:extLst>
+      <p:ext uri="{BB962C8B-B14F-4D97-AF65-F5344CB8AC3E}">
+        <p14:creationId xmlns:p14="http://schemas.microsoft.com/office/powerpoint/2010/main" val="1068885584"/>
+      </p:ext>
+    </p:extLst>
   </p:cSld>
   <p:clrMapOvr>
     <a:masterClrMapping/>
@@ -2520,9 +2584,14 @@
 <p:sldMaster xmlns:a="http://schemas.openxmlformats.org/drawingml/2006/main" xmlns:r="http://schemas.openxmlformats.org/officeDocument/2006/relationships" xmlns:p="http://schemas.openxmlformats.org/presentationml/2006/main">
   <p:cSld>
     <p:bg>
-      <p:bgRef idx="1001">
-        <a:schemeClr val="bg1"/>
-      </p:bgRef>
+      <p:bgPr>
+        <a:blipFill dpi="0" rotWithShape="1">
+          <a:blip r:embed="rId13"/>
+          <a:srcRect/>
+          <a:tile tx="0" ty="0" sx="100000" sy="100000" flip="none" algn="tl"/>
+        </a:blipFill>
+        <a:effectLst/>
+      </p:bgPr>
     </p:bg>
     <p:spTree>
       <p:nvGrpSpPr>
@@ -2550,8 +2619,8 @@
         </p:nvSpPr>
         <p:spPr>
           <a:xfrm>
-            <a:off x="457200" y="274638"/>
-            <a:ext cx="8229600" cy="1143000"/>
+            <a:off x="609600" y="274637"/>
+            <a:ext cx="10972800" cy="1143000"/>
           </a:xfrm>
           <a:prstGeom prst="rect">
             <a:avLst/>
@@ -2583,8 +2652,8 @@
         </p:nvSpPr>
         <p:spPr>
           <a:xfrm>
-            <a:off x="457200" y="1600200"/>
-            <a:ext cx="8229600" cy="4525963"/>
+            <a:off x="609600" y="1600201"/>
+            <a:ext cx="10972800" cy="4525963"/>
           </a:xfrm>
           <a:prstGeom prst="rect">
             <a:avLst/>
@@ -2645,8 +2714,8 @@
         </p:nvSpPr>
         <p:spPr>
           <a:xfrm>
-            <a:off x="457200" y="6356350"/>
-            <a:ext cx="2133600" cy="365125"/>
+            <a:off x="609600" y="6356352"/>
+            <a:ext cx="2844800" cy="365125"/>
           </a:xfrm>
           <a:prstGeom prst="rect">
             <a:avLst/>
@@ -2656,7 +2725,7 @@
           <a:bodyPr vert="horz" lIns="91440" tIns="45720" rIns="91440" bIns="45720" rtlCol="0" anchor="ctr"/>
           <a:lstStyle>
             <a:lvl1pPr algn="l">
-              <a:defRPr sz="1200">
+              <a:defRPr sz="1600">
                 <a:solidFill>
                   <a:schemeClr val="tx1">
                     <a:tint val="75000"/>
@@ -2666,11 +2735,11 @@
             </a:lvl1pPr>
           </a:lstStyle>
           <a:p>
-            <a:fld id="{19BCE7CC-2B86-48A9-9D5D-2D4C2CB981BA}" type="datetimeFigureOut">
-              <a:rPr lang="zh-TW" altLang="en-US" smtClean="0"/>
-              <a:t>2018/11/20</a:t>
+            <a:fld id="{CD8D5D3D-062F-405B-AE6C-45B26AE17269}" type="datetimeFigureOut">
+              <a:rPr lang="vi-VN" smtClean="0"/>
+              <a:t>19/11/2022</a:t>
             </a:fld>
-            <a:endParaRPr lang="zh-TW" altLang="en-US"/>
+            <a:endParaRPr lang="vi-VN"/>
           </a:p>
         </p:txBody>
       </p:sp>
@@ -2686,8 +2755,8 @@
         </p:nvSpPr>
         <p:spPr>
           <a:xfrm>
-            <a:off x="3124200" y="6356350"/>
-            <a:ext cx="2895600" cy="365125"/>
+            <a:off x="4165600" y="6356352"/>
+            <a:ext cx="3860800" cy="365125"/>
           </a:xfrm>
           <a:prstGeom prst="rect">
             <a:avLst/>
@@ -2697,7 +2766,7 @@
           <a:bodyPr vert="horz" lIns="91440" tIns="45720" rIns="91440" bIns="45720" rtlCol="0" anchor="ctr"/>
           <a:lstStyle>
             <a:lvl1pPr algn="ctr">
-              <a:defRPr sz="1200">
+              <a:defRPr sz="1600">
                 <a:solidFill>
                   <a:schemeClr val="tx1">
                     <a:tint val="75000"/>
@@ -2707,7 +2776,7 @@
             </a:lvl1pPr>
           </a:lstStyle>
           <a:p>
-            <a:endParaRPr lang="zh-TW" altLang="en-US"/>
+            <a:endParaRPr lang="vi-VN"/>
           </a:p>
         </p:txBody>
       </p:sp>
@@ -2723,8 +2792,8 @@
         </p:nvSpPr>
         <p:spPr>
           <a:xfrm>
-            <a:off x="6553200" y="6356350"/>
-            <a:ext cx="2133600" cy="365125"/>
+            <a:off x="8737600" y="6356352"/>
+            <a:ext cx="2844800" cy="365125"/>
           </a:xfrm>
           <a:prstGeom prst="rect">
             <a:avLst/>
@@ -2734,7 +2803,7 @@
           <a:bodyPr vert="horz" lIns="91440" tIns="45720" rIns="91440" bIns="45720" rtlCol="0" anchor="ctr"/>
           <a:lstStyle>
             <a:lvl1pPr algn="r">
-              <a:defRPr sz="1200">
+              <a:defRPr sz="1600">
                 <a:solidFill>
                   <a:schemeClr val="tx1">
                     <a:tint val="75000"/>
@@ -2744,38 +2813,43 @@
             </a:lvl1pPr>
           </a:lstStyle>
           <a:p>
-            <a:fld id="{1FA62C99-121E-4F11-89EE-FA232A8F239D}" type="slidenum">
-              <a:rPr lang="zh-TW" altLang="en-US" smtClean="0"/>
+            <a:fld id="{7B3EFE34-C0C1-45CA-85DA-04621CDCCFFD}" type="slidenum">
+              <a:rPr lang="vi-VN" smtClean="0"/>
               <a:t>‹#›</a:t>
             </a:fld>
-            <a:endParaRPr lang="zh-TW" altLang="en-US"/>
+            <a:endParaRPr lang="vi-VN"/>
           </a:p>
         </p:txBody>
       </p:sp>
     </p:spTree>
+    <p:extLst>
+      <p:ext uri="{BB962C8B-B14F-4D97-AF65-F5344CB8AC3E}">
+        <p14:creationId xmlns:p14="http://schemas.microsoft.com/office/powerpoint/2010/main" val="3196054779"/>
+      </p:ext>
+    </p:extLst>
   </p:cSld>
   <p:clrMap bg1="lt1" tx1="dk1" bg2="lt2" tx2="dk2" accent1="accent1" accent2="accent2" accent3="accent3" accent4="accent4" accent5="accent5" accent6="accent6" hlink="hlink" folHlink="folHlink"/>
   <p:sldLayoutIdLst>
-    <p:sldLayoutId id="2147483649" r:id="rId1"/>
-    <p:sldLayoutId id="2147483650" r:id="rId2"/>
-    <p:sldLayoutId id="2147483651" r:id="rId3"/>
-    <p:sldLayoutId id="2147483652" r:id="rId4"/>
-    <p:sldLayoutId id="2147483653" r:id="rId5"/>
-    <p:sldLayoutId id="2147483654" r:id="rId6"/>
-    <p:sldLayoutId id="2147483655" r:id="rId7"/>
-    <p:sldLayoutId id="2147483656" r:id="rId8"/>
-    <p:sldLayoutId id="2147483657" r:id="rId9"/>
-    <p:sldLayoutId id="2147483658" r:id="rId10"/>
-    <p:sldLayoutId id="2147483659" r:id="rId11"/>
+    <p:sldLayoutId id="2147483661" r:id="rId1"/>
+    <p:sldLayoutId id="2147483662" r:id="rId2"/>
+    <p:sldLayoutId id="2147483663" r:id="rId3"/>
+    <p:sldLayoutId id="2147483664" r:id="rId4"/>
+    <p:sldLayoutId id="2147483665" r:id="rId5"/>
+    <p:sldLayoutId id="2147483666" r:id="rId6"/>
+    <p:sldLayoutId id="2147483667" r:id="rId7"/>
+    <p:sldLayoutId id="2147483668" r:id="rId8"/>
+    <p:sldLayoutId id="2147483669" r:id="rId9"/>
+    <p:sldLayoutId id="2147483670" r:id="rId10"/>
+    <p:sldLayoutId id="2147483671" r:id="rId11"/>
   </p:sldLayoutIdLst>
   <p:txStyles>
     <p:titleStyle>
-      <a:lvl1pPr algn="ctr" defTabSz="914400" rtl="0" eaLnBrk="1" latinLnBrk="0" hangingPunct="1">
+      <a:lvl1pPr algn="ctr" defTabSz="1219170" rtl="0" eaLnBrk="1" latinLnBrk="0" hangingPunct="1">
         <a:spcBef>
           <a:spcPct val="0"/>
         </a:spcBef>
         <a:buNone/>
-        <a:defRPr sz="4400" kern="1200">
+        <a:defRPr sz="5867" kern="1200">
           <a:solidFill>
             <a:schemeClr val="tx1"/>
           </a:solidFill>
@@ -2786,11 +2860,41 @@
       </a:lvl1pPr>
     </p:titleStyle>
     <p:bodyStyle>
-      <a:lvl1pPr marL="342900" indent="-342900" algn="l" defTabSz="914400" rtl="0" eaLnBrk="1" latinLnBrk="0" hangingPunct="1">
+      <a:lvl1pPr marL="457189" indent="-457189" algn="l" defTabSz="1219170" rtl="0" eaLnBrk="1" latinLnBrk="0" hangingPunct="1">
         <a:spcBef>
           <a:spcPct val="20000"/>
         </a:spcBef>
-        <a:buFont typeface="Arial" pitchFamily="34" charset="0"/>
+        <a:buFont typeface="Arial" panose="02080604020202020204" pitchFamily="34" charset="0"/>
+        <a:buChar char="•"/>
+        <a:defRPr sz="4267" kern="1200">
+          <a:solidFill>
+            <a:schemeClr val="tx1"/>
+          </a:solidFill>
+          <a:latin typeface="+mn-lt"/>
+          <a:ea typeface="+mn-ea"/>
+          <a:cs typeface="+mn-cs"/>
+        </a:defRPr>
+      </a:lvl1pPr>
+      <a:lvl2pPr marL="990575" indent="-380990" algn="l" defTabSz="1219170" rtl="0" eaLnBrk="1" latinLnBrk="0" hangingPunct="1">
+        <a:spcBef>
+          <a:spcPct val="20000"/>
+        </a:spcBef>
+        <a:buFont typeface="Arial" panose="02080604020202020204" pitchFamily="34" charset="0"/>
+        <a:buChar char="–"/>
+        <a:defRPr sz="3733" kern="1200">
+          <a:solidFill>
+            <a:schemeClr val="tx1"/>
+          </a:solidFill>
+          <a:latin typeface="+mn-lt"/>
+          <a:ea typeface="+mn-ea"/>
+          <a:cs typeface="+mn-cs"/>
+        </a:defRPr>
+      </a:lvl2pPr>
+      <a:lvl3pPr marL="1523962" indent="-304792" algn="l" defTabSz="1219170" rtl="0" eaLnBrk="1" latinLnBrk="0" hangingPunct="1">
+        <a:spcBef>
+          <a:spcPct val="20000"/>
+        </a:spcBef>
+        <a:buFont typeface="Arial" panose="02080604020202020204" pitchFamily="34" charset="0"/>
         <a:buChar char="•"/>
         <a:defRPr sz="3200" kern="1200">
           <a:solidFill>
@@ -2800,44 +2904,14 @@
           <a:ea typeface="+mn-ea"/>
           <a:cs typeface="+mn-cs"/>
         </a:defRPr>
-      </a:lvl1pPr>
-      <a:lvl2pPr marL="742950" indent="-285750" algn="l" defTabSz="914400" rtl="0" eaLnBrk="1" latinLnBrk="0" hangingPunct="1">
+      </a:lvl3pPr>
+      <a:lvl4pPr marL="2133547" indent="-304792" algn="l" defTabSz="1219170" rtl="0" eaLnBrk="1" latinLnBrk="0" hangingPunct="1">
         <a:spcBef>
           <a:spcPct val="20000"/>
         </a:spcBef>
-        <a:buFont typeface="Arial" pitchFamily="34" charset="0"/>
+        <a:buFont typeface="Arial" panose="02080604020202020204" pitchFamily="34" charset="0"/>
         <a:buChar char="–"/>
-        <a:defRPr sz="2800" kern="1200">
-          <a:solidFill>
-            <a:schemeClr val="tx1"/>
-          </a:solidFill>
-          <a:latin typeface="+mn-lt"/>
-          <a:ea typeface="+mn-ea"/>
-          <a:cs typeface="+mn-cs"/>
-        </a:defRPr>
-      </a:lvl2pPr>
-      <a:lvl3pPr marL="1143000" indent="-228600" algn="l" defTabSz="914400" rtl="0" eaLnBrk="1" latinLnBrk="0" hangingPunct="1">
-        <a:spcBef>
-          <a:spcPct val="20000"/>
-        </a:spcBef>
-        <a:buFont typeface="Arial" pitchFamily="34" charset="0"/>
-        <a:buChar char="•"/>
-        <a:defRPr sz="2400" kern="1200">
-          <a:solidFill>
-            <a:schemeClr val="tx1"/>
-          </a:solidFill>
-          <a:latin typeface="+mn-lt"/>
-          <a:ea typeface="+mn-ea"/>
-          <a:cs typeface="+mn-cs"/>
-        </a:defRPr>
-      </a:lvl3pPr>
-      <a:lvl4pPr marL="1600200" indent="-228600" algn="l" defTabSz="914400" rtl="0" eaLnBrk="1" latinLnBrk="0" hangingPunct="1">
-        <a:spcBef>
-          <a:spcPct val="20000"/>
-        </a:spcBef>
-        <a:buFont typeface="Arial" pitchFamily="34" charset="0"/>
-        <a:buChar char="–"/>
-        <a:defRPr sz="2000" kern="1200">
+        <a:defRPr sz="2667" kern="1200">
           <a:solidFill>
             <a:schemeClr val="tx1"/>
           </a:solidFill>
@@ -2846,13 +2920,13 @@
           <a:cs typeface="+mn-cs"/>
         </a:defRPr>
       </a:lvl4pPr>
-      <a:lvl5pPr marL="2057400" indent="-228600" algn="l" defTabSz="914400" rtl="0" eaLnBrk="1" latinLnBrk="0" hangingPunct="1">
+      <a:lvl5pPr marL="2743131" indent="-304792" algn="l" defTabSz="1219170" rtl="0" eaLnBrk="1" latinLnBrk="0" hangingPunct="1">
         <a:spcBef>
           <a:spcPct val="20000"/>
         </a:spcBef>
-        <a:buFont typeface="Arial" pitchFamily="34" charset="0"/>
+        <a:buFont typeface="Arial" panose="02080604020202020204" pitchFamily="34" charset="0"/>
         <a:buChar char="»"/>
-        <a:defRPr sz="2000" kern="1200">
+        <a:defRPr sz="2667" kern="1200">
           <a:solidFill>
             <a:schemeClr val="tx1"/>
           </a:solidFill>
@@ -2861,13 +2935,13 @@
           <a:cs typeface="+mn-cs"/>
         </a:defRPr>
       </a:lvl5pPr>
-      <a:lvl6pPr marL="2514600" indent="-228600" algn="l" defTabSz="914400" rtl="0" eaLnBrk="1" latinLnBrk="0" hangingPunct="1">
+      <a:lvl6pPr marL="3352716" indent="-304792" algn="l" defTabSz="1219170" rtl="0" eaLnBrk="1" latinLnBrk="0" hangingPunct="1">
         <a:spcBef>
           <a:spcPct val="20000"/>
         </a:spcBef>
-        <a:buFont typeface="Arial" pitchFamily="34" charset="0"/>
+        <a:buFont typeface="Arial" panose="02080604020202020204" pitchFamily="34" charset="0"/>
         <a:buChar char="•"/>
-        <a:defRPr sz="2000" kern="1200">
+        <a:defRPr sz="2667" kern="1200">
           <a:solidFill>
             <a:schemeClr val="tx1"/>
           </a:solidFill>
@@ -2876,13 +2950,13 @@
           <a:cs typeface="+mn-cs"/>
         </a:defRPr>
       </a:lvl6pPr>
-      <a:lvl7pPr marL="2971800" indent="-228600" algn="l" defTabSz="914400" rtl="0" eaLnBrk="1" latinLnBrk="0" hangingPunct="1">
+      <a:lvl7pPr marL="3962301" indent="-304792" algn="l" defTabSz="1219170" rtl="0" eaLnBrk="1" latinLnBrk="0" hangingPunct="1">
         <a:spcBef>
           <a:spcPct val="20000"/>
         </a:spcBef>
-        <a:buFont typeface="Arial" pitchFamily="34" charset="0"/>
+        <a:buFont typeface="Arial" panose="02080604020202020204" pitchFamily="34" charset="0"/>
         <a:buChar char="•"/>
-        <a:defRPr sz="2000" kern="1200">
+        <a:defRPr sz="2667" kern="1200">
           <a:solidFill>
             <a:schemeClr val="tx1"/>
           </a:solidFill>
@@ -2891,13 +2965,13 @@
           <a:cs typeface="+mn-cs"/>
         </a:defRPr>
       </a:lvl7pPr>
-      <a:lvl8pPr marL="3429000" indent="-228600" algn="l" defTabSz="914400" rtl="0" eaLnBrk="1" latinLnBrk="0" hangingPunct="1">
+      <a:lvl8pPr marL="4571886" indent="-304792" algn="l" defTabSz="1219170" rtl="0" eaLnBrk="1" latinLnBrk="0" hangingPunct="1">
         <a:spcBef>
           <a:spcPct val="20000"/>
         </a:spcBef>
-        <a:buFont typeface="Arial" pitchFamily="34" charset="0"/>
+        <a:buFont typeface="Arial" panose="02080604020202020204" pitchFamily="34" charset="0"/>
         <a:buChar char="•"/>
-        <a:defRPr sz="2000" kern="1200">
+        <a:defRPr sz="2667" kern="1200">
           <a:solidFill>
             <a:schemeClr val="tx1"/>
           </a:solidFill>
@@ -2906,13 +2980,13 @@
           <a:cs typeface="+mn-cs"/>
         </a:defRPr>
       </a:lvl8pPr>
-      <a:lvl9pPr marL="3886200" indent="-228600" algn="l" defTabSz="914400" rtl="0" eaLnBrk="1" latinLnBrk="0" hangingPunct="1">
+      <a:lvl9pPr marL="5181470" indent="-304792" algn="l" defTabSz="1219170" rtl="0" eaLnBrk="1" latinLnBrk="0" hangingPunct="1">
         <a:spcBef>
           <a:spcPct val="20000"/>
         </a:spcBef>
-        <a:buFont typeface="Arial" pitchFamily="34" charset="0"/>
+        <a:buFont typeface="Arial" panose="02080604020202020204" pitchFamily="34" charset="0"/>
         <a:buChar char="•"/>
-        <a:defRPr sz="2000" kern="1200">
+        <a:defRPr sz="2667" kern="1200">
           <a:solidFill>
             <a:schemeClr val="tx1"/>
           </a:solidFill>
@@ -2926,8 +3000,8 @@
       <a:defPPr>
         <a:defRPr lang="zh-TW"/>
       </a:defPPr>
-      <a:lvl1pPr marL="0" algn="l" defTabSz="914400" rtl="0" eaLnBrk="1" latinLnBrk="0" hangingPunct="1">
-        <a:defRPr sz="1800" kern="1200">
+      <a:lvl1pPr marL="0" algn="l" defTabSz="1219170" rtl="0" eaLnBrk="1" latinLnBrk="0" hangingPunct="1">
+        <a:defRPr sz="2400" kern="1200">
           <a:solidFill>
             <a:schemeClr val="tx1"/>
           </a:solidFill>
@@ -2936,8 +3010,8 @@
           <a:cs typeface="+mn-cs"/>
         </a:defRPr>
       </a:lvl1pPr>
-      <a:lvl2pPr marL="457200" algn="l" defTabSz="914400" rtl="0" eaLnBrk="1" latinLnBrk="0" hangingPunct="1">
-        <a:defRPr sz="1800" kern="1200">
+      <a:lvl2pPr marL="609585" algn="l" defTabSz="1219170" rtl="0" eaLnBrk="1" latinLnBrk="0" hangingPunct="1">
+        <a:defRPr sz="2400" kern="1200">
           <a:solidFill>
             <a:schemeClr val="tx1"/>
           </a:solidFill>
@@ -2946,8 +3020,8 @@
           <a:cs typeface="+mn-cs"/>
         </a:defRPr>
       </a:lvl2pPr>
-      <a:lvl3pPr marL="914400" algn="l" defTabSz="914400" rtl="0" eaLnBrk="1" latinLnBrk="0" hangingPunct="1">
-        <a:defRPr sz="1800" kern="1200">
+      <a:lvl3pPr marL="1219170" algn="l" defTabSz="1219170" rtl="0" eaLnBrk="1" latinLnBrk="0" hangingPunct="1">
+        <a:defRPr sz="2400" kern="1200">
           <a:solidFill>
             <a:schemeClr val="tx1"/>
           </a:solidFill>
@@ -2956,8 +3030,8 @@
           <a:cs typeface="+mn-cs"/>
         </a:defRPr>
       </a:lvl3pPr>
-      <a:lvl4pPr marL="1371600" algn="l" defTabSz="914400" rtl="0" eaLnBrk="1" latinLnBrk="0" hangingPunct="1">
-        <a:defRPr sz="1800" kern="1200">
+      <a:lvl4pPr marL="1828754" algn="l" defTabSz="1219170" rtl="0" eaLnBrk="1" latinLnBrk="0" hangingPunct="1">
+        <a:defRPr sz="2400" kern="1200">
           <a:solidFill>
             <a:schemeClr val="tx1"/>
           </a:solidFill>
@@ -2966,8 +3040,8 @@
           <a:cs typeface="+mn-cs"/>
         </a:defRPr>
       </a:lvl4pPr>
-      <a:lvl5pPr marL="1828800" algn="l" defTabSz="914400" rtl="0" eaLnBrk="1" latinLnBrk="0" hangingPunct="1">
-        <a:defRPr sz="1800" kern="1200">
+      <a:lvl5pPr marL="2438339" algn="l" defTabSz="1219170" rtl="0" eaLnBrk="1" latinLnBrk="0" hangingPunct="1">
+        <a:defRPr sz="2400" kern="1200">
           <a:solidFill>
             <a:schemeClr val="tx1"/>
           </a:solidFill>
@@ -2976,8 +3050,8 @@
           <a:cs typeface="+mn-cs"/>
         </a:defRPr>
       </a:lvl5pPr>
-      <a:lvl6pPr marL="2286000" algn="l" defTabSz="914400" rtl="0" eaLnBrk="1" latinLnBrk="0" hangingPunct="1">
-        <a:defRPr sz="1800" kern="1200">
+      <a:lvl6pPr marL="3047924" algn="l" defTabSz="1219170" rtl="0" eaLnBrk="1" latinLnBrk="0" hangingPunct="1">
+        <a:defRPr sz="2400" kern="1200">
           <a:solidFill>
             <a:schemeClr val="tx1"/>
           </a:solidFill>
@@ -2986,8 +3060,8 @@
           <a:cs typeface="+mn-cs"/>
         </a:defRPr>
       </a:lvl6pPr>
-      <a:lvl7pPr marL="2743200" algn="l" defTabSz="914400" rtl="0" eaLnBrk="1" latinLnBrk="0" hangingPunct="1">
-        <a:defRPr sz="1800" kern="1200">
+      <a:lvl7pPr marL="3657509" algn="l" defTabSz="1219170" rtl="0" eaLnBrk="1" latinLnBrk="0" hangingPunct="1">
+        <a:defRPr sz="2400" kern="1200">
           <a:solidFill>
             <a:schemeClr val="tx1"/>
           </a:solidFill>
@@ -2996,8 +3070,8 @@
           <a:cs typeface="+mn-cs"/>
         </a:defRPr>
       </a:lvl7pPr>
-      <a:lvl8pPr marL="3200400" algn="l" defTabSz="914400" rtl="0" eaLnBrk="1" latinLnBrk="0" hangingPunct="1">
-        <a:defRPr sz="1800" kern="1200">
+      <a:lvl8pPr marL="4267093" algn="l" defTabSz="1219170" rtl="0" eaLnBrk="1" latinLnBrk="0" hangingPunct="1">
+        <a:defRPr sz="2400" kern="1200">
           <a:solidFill>
             <a:schemeClr val="tx1"/>
           </a:solidFill>
@@ -3006,8 +3080,8 @@
           <a:cs typeface="+mn-cs"/>
         </a:defRPr>
       </a:lvl8pPr>
-      <a:lvl9pPr marL="3657600" algn="l" defTabSz="914400" rtl="0" eaLnBrk="1" latinLnBrk="0" hangingPunct="1">
-        <a:defRPr sz="1800" kern="1200">
+      <a:lvl9pPr marL="4876678" algn="l" defTabSz="1219170" rtl="0" eaLnBrk="1" latinLnBrk="0" hangingPunct="1">
+        <a:defRPr sz="2400" kern="1200">
           <a:solidFill>
             <a:schemeClr val="tx1"/>
           </a:solidFill>
@@ -3040,7 +3114,7 @@
       </p:grpSpPr>
       <p:sp>
         <p:nvSpPr>
-          <p:cNvPr id="2" name="標題 1"/>
+          <p:cNvPr id="4" name="標題 3"/>
           <p:cNvSpPr>
             <a:spLocks noGrp="1"/>
           </p:cNvSpPr>
@@ -3048,122 +3122,61 @@
             <p:ph type="title"/>
           </p:nvPr>
         </p:nvSpPr>
-        <p:spPr/>
-        <p:txBody>
-          <a:bodyPr/>
-          <a:lstStyle/>
-          <a:p>
-            <a:r>
-              <a:rPr lang="zh-TW" altLang="en-US" b="1" dirty="0" smtClean="0">
+        <p:spPr>
+          <a:xfrm>
+            <a:off x="0" y="2660915"/>
+            <a:ext cx="12192000" cy="1143000"/>
+          </a:xfrm>
+        </p:spPr>
+        <p:txBody>
+          <a:bodyPr>
+            <a:noAutofit/>
+          </a:bodyPr>
+          <a:lstStyle/>
+          <a:p>
+            <a:r>
+              <a:rPr lang="zh-TW" altLang="en-US" sz="7200" b="1" i="1" dirty="0" smtClean="0">
+                <a:solidFill>
+                  <a:srgbClr val="000066"/>
+                </a:solidFill>
+                <a:effectLst>
+                  <a:outerShdw blurRad="38100" dist="38100" dir="2700000" algn="tl">
+                    <a:srgbClr val="000000">
+                      <a:alpha val="43137"/>
+                    </a:srgbClr>
+                  </a:outerShdw>
+                </a:effectLst>
                 <a:latin typeface="微軟正黑體" pitchFamily="34" charset="-120"/>
                 <a:ea typeface="微軟正黑體" pitchFamily="34" charset="-120"/>
               </a:rPr>
-              <a:t>如果你想知道</a:t>
-            </a:r>
-            <a:endParaRPr lang="zh-TW" altLang="en-US" b="1" dirty="0">
-              <a:latin typeface="微軟正黑體" pitchFamily="34" charset="-120"/>
-              <a:ea typeface="微軟正黑體" pitchFamily="34" charset="-120"/>
-            </a:endParaRPr>
-          </a:p>
-        </p:txBody>
-      </p:sp>
-      <p:sp>
-        <p:nvSpPr>
-          <p:cNvPr id="3" name="內容版面配置區 2"/>
-          <p:cNvSpPr>
-            <a:spLocks noGrp="1"/>
-          </p:cNvSpPr>
-          <p:nvPr>
-            <p:ph idx="1"/>
-          </p:nvPr>
-        </p:nvSpPr>
-        <p:spPr/>
-        <p:txBody>
-          <a:bodyPr>
-            <a:normAutofit/>
-          </a:bodyPr>
-          <a:lstStyle/>
-          <a:p>
-            <a:pPr algn="ctr">
-              <a:buNone/>
-            </a:pPr>
-            <a:r>
-              <a:rPr lang="zh-TW" altLang="en-US" sz="5400" b="1" dirty="0" smtClean="0">
+              <a:t>如</a:t>
+            </a:r>
+            <a:r>
+              <a:rPr lang="zh-TW" altLang="en-US" sz="7200" b="1" i="1" dirty="0">
+                <a:solidFill>
+                  <a:srgbClr val="000066"/>
+                </a:solidFill>
+                <a:effectLst>
+                  <a:outerShdw blurRad="38100" dist="38100" dir="2700000" algn="tl">
+                    <a:srgbClr val="000000">
+                      <a:alpha val="43137"/>
+                    </a:srgbClr>
+                  </a:outerShdw>
+                </a:effectLst>
                 <a:latin typeface="微軟正黑體" pitchFamily="34" charset="-120"/>
                 <a:ea typeface="微軟正黑體" pitchFamily="34" charset="-120"/>
               </a:rPr>
-              <a:t>如果你想知道 愛在哪裡</a:t>
-            </a:r>
-            <a:endParaRPr lang="en-US" altLang="zh-TW" sz="5400" b="1" dirty="0" smtClean="0">
-              <a:latin typeface="微軟正黑體" pitchFamily="34" charset="-120"/>
-              <a:ea typeface="微軟正黑體" pitchFamily="34" charset="-120"/>
-            </a:endParaRPr>
-          </a:p>
-          <a:p>
-            <a:pPr algn="ctr">
-              <a:buNone/>
-            </a:pPr>
-            <a:r>
-              <a:rPr lang="zh-TW" altLang="en-US" sz="5400" b="1" dirty="0" smtClean="0">
-                <a:latin typeface="微軟正黑體" pitchFamily="34" charset="-120"/>
-                <a:ea typeface="微軟正黑體" pitchFamily="34" charset="-120"/>
-              </a:rPr>
-              <a:t>愛就在你我的周圍</a:t>
-            </a:r>
-            <a:endParaRPr lang="en-US" altLang="zh-TW" sz="5400" b="1" dirty="0" smtClean="0">
-              <a:latin typeface="微軟正黑體" pitchFamily="34" charset="-120"/>
-              <a:ea typeface="微軟正黑體" pitchFamily="34" charset="-120"/>
-            </a:endParaRPr>
-          </a:p>
-          <a:p>
-            <a:pPr algn="ctr">
-              <a:buNone/>
-            </a:pPr>
-            <a:r>
-              <a:rPr lang="zh-TW" altLang="en-US" sz="5400" b="1" dirty="0" smtClean="0">
-                <a:latin typeface="微軟正黑體" pitchFamily="34" charset="-120"/>
-                <a:ea typeface="微軟正黑體" pitchFamily="34" charset="-120"/>
-              </a:rPr>
-              <a:t>如果你想知道愛在哪裡</a:t>
-            </a:r>
-            <a:endParaRPr lang="en-US" altLang="zh-TW" sz="5400" b="1" dirty="0" smtClean="0">
-              <a:latin typeface="微軟正黑體" pitchFamily="34" charset="-120"/>
-              <a:ea typeface="微軟正黑體" pitchFamily="34" charset="-120"/>
-            </a:endParaRPr>
-          </a:p>
-          <a:p>
-            <a:pPr algn="ctr">
-              <a:buNone/>
-            </a:pPr>
-            <a:r>
-              <a:rPr lang="zh-TW" altLang="en-US" sz="5400" b="1" dirty="0" smtClean="0">
-                <a:latin typeface="微軟正黑體" pitchFamily="34" charset="-120"/>
-                <a:ea typeface="微軟正黑體" pitchFamily="34" charset="-120"/>
-              </a:rPr>
-              <a:t>愛就在每個笑</a:t>
-            </a:r>
-            <a:r>
-              <a:rPr lang="zh-CN" altLang="en-US" sz="5400" b="1" dirty="0" smtClean="0">
-                <a:latin typeface="微軟正黑體" pitchFamily="34" charset="-120"/>
-                <a:ea typeface="微軟正黑體" pitchFamily="34" charset="-120"/>
-              </a:rPr>
-              <a:t>臉</a:t>
-            </a:r>
-            <a:r>
-              <a:rPr lang="zh-TW" altLang="en-US" sz="5400" b="1" dirty="0" smtClean="0">
-                <a:latin typeface="微軟正黑體" pitchFamily="34" charset="-120"/>
-                <a:ea typeface="微軟正黑體" pitchFamily="34" charset="-120"/>
-              </a:rPr>
-              <a:t>上</a:t>
-            </a:r>
-            <a:endParaRPr lang="zh-TW" altLang="en-US" sz="5400" b="1" dirty="0">
-              <a:latin typeface="微軟正黑體" pitchFamily="34" charset="-120"/>
-              <a:ea typeface="微軟正黑體" pitchFamily="34" charset="-120"/>
-            </a:endParaRPr>
+              <a:t>果你想知道</a:t>
+            </a:r>
           </a:p>
         </p:txBody>
       </p:sp>
     </p:spTree>
+    <p:extLst>
+      <p:ext uri="{BB962C8B-B14F-4D97-AF65-F5344CB8AC3E}">
+        <p14:creationId xmlns:p14="http://schemas.microsoft.com/office/powerpoint/2010/main" val="1808475736"/>
+      </p:ext>
+    </p:extLst>
   </p:cSld>
   <p:clrMapOvr>
     <a:masterClrMapping/>
@@ -3190,112 +3203,209 @@
       </p:grpSpPr>
       <p:sp>
         <p:nvSpPr>
-          <p:cNvPr id="2" name="標題 1"/>
-          <p:cNvSpPr>
-            <a:spLocks noGrp="1"/>
-          </p:cNvSpPr>
-          <p:nvPr>
-            <p:ph type="title"/>
-          </p:nvPr>
-        </p:nvSpPr>
-        <p:spPr/>
-        <p:txBody>
-          <a:bodyPr/>
-          <a:lstStyle/>
-          <a:p>
-            <a:r>
-              <a:rPr lang="zh-TW" altLang="en-US" b="1" dirty="0" smtClean="0">
+          <p:cNvPr id="5" name="內容版面配置區 4"/>
+          <p:cNvSpPr>
+            <a:spLocks noGrp="1"/>
+          </p:cNvSpPr>
+          <p:nvPr>
+            <p:ph idx="1"/>
+          </p:nvPr>
+        </p:nvSpPr>
+        <p:spPr>
+          <a:xfrm>
+            <a:off x="0" y="2084851"/>
+            <a:ext cx="12192000" cy="2404863"/>
+          </a:xfrm>
+        </p:spPr>
+        <p:txBody>
+          <a:bodyPr anchor="ctr">
+            <a:normAutofit/>
+          </a:bodyPr>
+          <a:lstStyle/>
+          <a:p>
+            <a:pPr marL="0" indent="0" algn="ctr">
+              <a:buNone/>
+            </a:pPr>
+            <a:r>
+              <a:rPr lang="zh-TW" altLang="en-US" sz="6400" b="1" dirty="0" smtClean="0">
+                <a:solidFill>
+                  <a:srgbClr val="000066"/>
+                </a:solidFill>
                 <a:latin typeface="微軟正黑體" pitchFamily="34" charset="-120"/>
                 <a:ea typeface="微軟正黑體" pitchFamily="34" charset="-120"/>
               </a:rPr>
-              <a:t>如果你想知道</a:t>
-            </a:r>
-            <a:endParaRPr lang="zh-TW" altLang="en-US" b="1" dirty="0">
+              <a:t>如</a:t>
+            </a:r>
+            <a:r>
+              <a:rPr lang="zh-TW" altLang="en-US" sz="6400" b="1" dirty="0">
+                <a:solidFill>
+                  <a:srgbClr val="000066"/>
+                </a:solidFill>
+                <a:latin typeface="微軟正黑體" pitchFamily="34" charset="-120"/>
+                <a:ea typeface="微軟正黑體" pitchFamily="34" charset="-120"/>
+              </a:rPr>
+              <a:t>果你想知道 </a:t>
+            </a:r>
+            <a:r>
+              <a:rPr lang="zh-TW" altLang="en-US" sz="6400" b="1" dirty="0" smtClean="0">
+                <a:solidFill>
+                  <a:srgbClr val="000066"/>
+                </a:solidFill>
+                <a:latin typeface="微軟正黑體" pitchFamily="34" charset="-120"/>
+                <a:ea typeface="微軟正黑體" pitchFamily="34" charset="-120"/>
+              </a:rPr>
+              <a:t> 愛</a:t>
+            </a:r>
+            <a:r>
+              <a:rPr lang="zh-TW" altLang="en-US" sz="6400" b="1" dirty="0">
+                <a:solidFill>
+                  <a:srgbClr val="000066"/>
+                </a:solidFill>
+                <a:latin typeface="微軟正黑體" pitchFamily="34" charset="-120"/>
+                <a:ea typeface="微軟正黑體" pitchFamily="34" charset="-120"/>
+              </a:rPr>
+              <a:t>在哪</a:t>
+            </a:r>
+            <a:r>
+              <a:rPr lang="zh-TW" altLang="en-US" sz="6400" b="1" dirty="0" smtClean="0">
+                <a:solidFill>
+                  <a:srgbClr val="000066"/>
+                </a:solidFill>
+                <a:latin typeface="微軟正黑體" pitchFamily="34" charset="-120"/>
+                <a:ea typeface="微軟正黑體" pitchFamily="34" charset="-120"/>
+              </a:rPr>
+              <a:t>裡</a:t>
+            </a:r>
+            <a:endParaRPr lang="en-US" altLang="zh-TW" sz="6400" b="1" dirty="0" smtClean="0">
+              <a:solidFill>
+                <a:srgbClr val="000066"/>
+              </a:solidFill>
               <a:latin typeface="微軟正黑體" pitchFamily="34" charset="-120"/>
               <a:ea typeface="微軟正黑體" pitchFamily="34" charset="-120"/>
             </a:endParaRPr>
           </a:p>
-        </p:txBody>
-      </p:sp>
-      <p:sp>
-        <p:nvSpPr>
-          <p:cNvPr id="3" name="內容版面配置區 2"/>
-          <p:cNvSpPr>
-            <a:spLocks noGrp="1"/>
-          </p:cNvSpPr>
-          <p:nvPr>
-            <p:ph idx="1"/>
-          </p:nvPr>
-        </p:nvSpPr>
-        <p:spPr/>
-        <p:txBody>
-          <a:bodyPr>
-            <a:normAutofit/>
-          </a:bodyPr>
-          <a:lstStyle/>
-          <a:p>
-            <a:pPr algn="ctr">
+          <a:p>
+            <a:pPr marL="0" indent="0" algn="ctr">
               <a:buNone/>
             </a:pPr>
             <a:r>
-              <a:rPr lang="zh-TW" altLang="en-US" sz="5400" b="1" dirty="0">
+              <a:rPr lang="zh-TW" altLang="en-US" sz="6400" b="1" dirty="0" smtClean="0">
+                <a:solidFill>
+                  <a:srgbClr val="000066"/>
+                </a:solidFill>
                 <a:latin typeface="微軟正黑體" pitchFamily="34" charset="-120"/>
                 <a:ea typeface="微軟正黑體" pitchFamily="34" charset="-120"/>
               </a:rPr>
-              <a:t>愛在哪裡 愛在哪裡</a:t>
-            </a:r>
-            <a:endParaRPr lang="en-US" altLang="zh-TW" sz="5400" b="1" dirty="0">
+              <a:t>愛</a:t>
+            </a:r>
+            <a:r>
+              <a:rPr lang="zh-TW" altLang="en-US" sz="6400" b="1" dirty="0">
+                <a:solidFill>
+                  <a:srgbClr val="000066"/>
+                </a:solidFill>
+                <a:latin typeface="微軟正黑體" pitchFamily="34" charset="-120"/>
+                <a:ea typeface="微軟正黑體" pitchFamily="34" charset="-120"/>
+              </a:rPr>
+              <a:t>就在你我的周圍</a:t>
+            </a:r>
+            <a:endParaRPr lang="en-US" altLang="zh-TW" sz="6400" b="1" dirty="0">
+              <a:solidFill>
+                <a:srgbClr val="000066"/>
+              </a:solidFill>
               <a:latin typeface="微軟正黑體" pitchFamily="34" charset="-120"/>
               <a:ea typeface="微軟正黑體" pitchFamily="34" charset="-120"/>
             </a:endParaRPr>
           </a:p>
-          <a:p>
-            <a:pPr algn="ctr">
-              <a:buNone/>
-            </a:pPr>
-            <a:r>
-              <a:rPr lang="zh-TW" altLang="en-US" sz="5400" b="1" dirty="0">
-                <a:latin typeface="微軟正黑體" pitchFamily="34" charset="-120"/>
-                <a:ea typeface="微軟正黑體" pitchFamily="34" charset="-120"/>
-              </a:rPr>
-              <a:t>愛就在神的愛子裡</a:t>
-            </a:r>
-            <a:endParaRPr lang="en-US" altLang="zh-TW" sz="5400" b="1" dirty="0">
-              <a:latin typeface="微軟正黑體" pitchFamily="34" charset="-120"/>
-              <a:ea typeface="微軟正黑體" pitchFamily="34" charset="-120"/>
+        </p:txBody>
+      </p:sp>
+      <p:sp>
+        <p:nvSpPr>
+          <p:cNvPr id="3" name="TextBox 2"/>
+          <p:cNvSpPr txBox="1"/>
+          <p:nvPr/>
+        </p:nvSpPr>
+        <p:spPr>
+          <a:xfrm>
+            <a:off x="0" y="5157192"/>
+            <a:ext cx="12192000" cy="748988"/>
+          </a:xfrm>
+          <a:prstGeom prst="rect">
+            <a:avLst/>
+          </a:prstGeom>
+          <a:noFill/>
+        </p:spPr>
+        <p:txBody>
+          <a:bodyPr wrap="square" rtlCol="0">
+            <a:spAutoFit/>
+          </a:bodyPr>
+          <a:lstStyle/>
+          <a:p>
+            <a:pPr algn="ctr"/>
+            <a:r>
+              <a:rPr lang="en-US" sz="4267" b="1" dirty="0">
+                <a:solidFill>
+                  <a:srgbClr val="000066"/>
+                </a:solidFill>
+                <a:latin typeface="Microsoft JhengHei" panose="020B0604030504040204" pitchFamily="34" charset="-120"/>
+                <a:ea typeface="Microsoft JhengHei" panose="020B0604030504040204" pitchFamily="34" charset="-120"/>
+              </a:rPr>
+              <a:t>( </a:t>
+            </a:r>
+            <a:r>
+              <a:rPr lang="zh-CN" altLang="en-US" sz="4267" b="1" dirty="0" smtClean="0">
+                <a:solidFill>
+                  <a:srgbClr val="000066"/>
+                </a:solidFill>
+                <a:latin typeface="Microsoft JhengHei" panose="020B0604030504040204" pitchFamily="34" charset="-120"/>
+                <a:ea typeface="Microsoft JhengHei" panose="020B0604030504040204" pitchFamily="34" charset="-120"/>
+              </a:rPr>
+              <a:t>正 </a:t>
+            </a:r>
+            <a:r>
+              <a:rPr lang="en-US" altLang="zh-CN" sz="4267" b="1" dirty="0" smtClean="0">
+                <a:solidFill>
+                  <a:srgbClr val="000066"/>
+                </a:solidFill>
+                <a:latin typeface="Microsoft JhengHei" panose="020B0604030504040204" pitchFamily="34" charset="-120"/>
+                <a:ea typeface="Microsoft JhengHei" panose="020B0604030504040204" pitchFamily="34" charset="-120"/>
+              </a:rPr>
+              <a:t>1</a:t>
+            </a:r>
+            <a:r>
+              <a:rPr lang="en-US" sz="4267" b="1" dirty="0" smtClean="0">
+                <a:solidFill>
+                  <a:srgbClr val="000066"/>
+                </a:solidFill>
+                <a:latin typeface="Microsoft JhengHei" panose="020B0604030504040204" pitchFamily="34" charset="-120"/>
+                <a:ea typeface="Microsoft JhengHei" panose="020B0604030504040204" pitchFamily="34" charset="-120"/>
+              </a:rPr>
+              <a:t> </a:t>
+            </a:r>
+            <a:r>
+              <a:rPr lang="en-US" sz="4267" b="1" dirty="0">
+                <a:solidFill>
+                  <a:srgbClr val="000066"/>
+                </a:solidFill>
+                <a:latin typeface="Microsoft JhengHei" panose="020B0604030504040204" pitchFamily="34" charset="-120"/>
+                <a:ea typeface="Microsoft JhengHei" panose="020B0604030504040204" pitchFamily="34" charset="-120"/>
+              </a:rPr>
+              <a:t>)</a:t>
+            </a:r>
+            <a:endParaRPr lang="vi-VN" sz="4267" b="1" dirty="0">
+              <a:solidFill>
+                <a:srgbClr val="000066"/>
+              </a:solidFill>
+              <a:ea typeface="Microsoft JhengHei" panose="020B0604030504040204" pitchFamily="34" charset="-120"/>
             </a:endParaRPr>
           </a:p>
-          <a:p>
-            <a:pPr algn="ctr">
-              <a:buNone/>
-            </a:pPr>
-            <a:r>
-              <a:rPr lang="zh-TW" altLang="en-US" sz="5400" b="1" dirty="0">
-                <a:latin typeface="微軟正黑體" pitchFamily="34" charset="-120"/>
-                <a:ea typeface="微軟正黑體" pitchFamily="34" charset="-120"/>
-              </a:rPr>
-              <a:t>愛從何來 愛從何來</a:t>
-            </a:r>
-            <a:endParaRPr lang="en-US" altLang="zh-TW" sz="5400" b="1" dirty="0">
-              <a:latin typeface="微軟正黑體" pitchFamily="34" charset="-120"/>
-              <a:ea typeface="微軟正黑體" pitchFamily="34" charset="-120"/>
-            </a:endParaRPr>
-          </a:p>
-          <a:p>
-            <a:pPr algn="ctr">
-              <a:buNone/>
-            </a:pPr>
-            <a:r>
-              <a:rPr lang="zh-TW" altLang="en-US" sz="5400" b="1" dirty="0">
-                <a:latin typeface="微軟正黑體" pitchFamily="34" charset="-120"/>
-                <a:ea typeface="微軟正黑體" pitchFamily="34" charset="-120"/>
-              </a:rPr>
-              <a:t>愛它是從神而來</a:t>
-            </a:r>
-          </a:p>
         </p:txBody>
       </p:sp>
     </p:spTree>
+    <p:extLst>
+      <p:ext uri="{BB962C8B-B14F-4D97-AF65-F5344CB8AC3E}">
+        <p14:creationId xmlns:p14="http://schemas.microsoft.com/office/powerpoint/2010/main" val="2074988700"/>
+      </p:ext>
+    </p:extLst>
   </p:cSld>
   <p:clrMapOvr>
     <a:masterClrMapping/>
@@ -3322,112 +3432,189 @@
       </p:grpSpPr>
       <p:sp>
         <p:nvSpPr>
-          <p:cNvPr id="2" name="標題 1"/>
-          <p:cNvSpPr>
-            <a:spLocks noGrp="1"/>
-          </p:cNvSpPr>
-          <p:nvPr>
-            <p:ph type="title"/>
-          </p:nvPr>
-        </p:nvSpPr>
-        <p:spPr/>
-        <p:txBody>
-          <a:bodyPr/>
-          <a:lstStyle/>
-          <a:p>
-            <a:r>
-              <a:rPr lang="zh-TW" altLang="en-US" b="1" dirty="0" smtClean="0">
+          <p:cNvPr id="5" name="內容版面配置區 4"/>
+          <p:cNvSpPr>
+            <a:spLocks noGrp="1"/>
+          </p:cNvSpPr>
+          <p:nvPr>
+            <p:ph idx="1"/>
+          </p:nvPr>
+        </p:nvSpPr>
+        <p:spPr>
+          <a:xfrm>
+            <a:off x="0" y="2084851"/>
+            <a:ext cx="12192000" cy="2404863"/>
+          </a:xfrm>
+        </p:spPr>
+        <p:txBody>
+          <a:bodyPr anchor="ctr">
+            <a:normAutofit/>
+          </a:bodyPr>
+          <a:lstStyle/>
+          <a:p>
+            <a:pPr marL="0" indent="0" algn="ctr">
+              <a:buNone/>
+            </a:pPr>
+            <a:r>
+              <a:rPr lang="zh-TW" altLang="en-US" sz="6400" b="1" dirty="0">
+                <a:solidFill>
+                  <a:srgbClr val="000066"/>
+                </a:solidFill>
                 <a:latin typeface="微軟正黑體" pitchFamily="34" charset="-120"/>
                 <a:ea typeface="微軟正黑體" pitchFamily="34" charset="-120"/>
               </a:rPr>
-              <a:t>如果你想知道</a:t>
-            </a:r>
-            <a:endParaRPr lang="zh-TW" altLang="en-US" b="1" dirty="0">
+              <a:t>如果你想知道愛在哪</a:t>
+            </a:r>
+            <a:r>
+              <a:rPr lang="zh-TW" altLang="en-US" sz="6400" b="1" dirty="0">
+                <a:solidFill>
+                  <a:srgbClr val="000066"/>
+                </a:solidFill>
+                <a:latin typeface="微軟正黑體" pitchFamily="34" charset="-120"/>
+                <a:ea typeface="微軟正黑體" pitchFamily="34" charset="-120"/>
+              </a:rPr>
+              <a:t>裡</a:t>
+            </a:r>
+            <a:endParaRPr lang="en-US" altLang="zh-TW" sz="6400" b="1" dirty="0">
+              <a:solidFill>
+                <a:srgbClr val="000066"/>
+              </a:solidFill>
               <a:latin typeface="微軟正黑體" pitchFamily="34" charset="-120"/>
               <a:ea typeface="微軟正黑體" pitchFamily="34" charset="-120"/>
             </a:endParaRPr>
           </a:p>
-        </p:txBody>
-      </p:sp>
-      <p:sp>
-        <p:nvSpPr>
-          <p:cNvPr id="3" name="內容版面配置區 2"/>
-          <p:cNvSpPr>
-            <a:spLocks noGrp="1"/>
-          </p:cNvSpPr>
-          <p:nvPr>
-            <p:ph idx="1"/>
-          </p:nvPr>
-        </p:nvSpPr>
-        <p:spPr/>
-        <p:txBody>
-          <a:bodyPr>
-            <a:normAutofit/>
-          </a:bodyPr>
-          <a:lstStyle/>
-          <a:p>
-            <a:pPr algn="ctr">
+          <a:p>
+            <a:pPr marL="0" indent="0" algn="ctr">
               <a:buNone/>
             </a:pPr>
             <a:r>
-              <a:rPr lang="zh-TW" altLang="en-US" sz="5400" b="1" dirty="0">
+              <a:rPr lang="zh-TW" altLang="en-US" sz="6400" b="1" dirty="0">
+                <a:solidFill>
+                  <a:srgbClr val="000066"/>
+                </a:solidFill>
                 <a:latin typeface="微軟正黑體" pitchFamily="34" charset="-120"/>
                 <a:ea typeface="微軟正黑體" pitchFamily="34" charset="-120"/>
               </a:rPr>
-              <a:t>如果你想知道 愛在哪裡</a:t>
-            </a:r>
-            <a:endParaRPr lang="en-US" altLang="zh-TW" sz="5400" b="1" dirty="0">
+              <a:t>愛</a:t>
+            </a:r>
+            <a:r>
+              <a:rPr lang="zh-TW" altLang="en-US" sz="6400" b="1" dirty="0">
+                <a:solidFill>
+                  <a:srgbClr val="000066"/>
+                </a:solidFill>
+                <a:latin typeface="微軟正黑體" pitchFamily="34" charset="-120"/>
+                <a:ea typeface="微軟正黑體" pitchFamily="34" charset="-120"/>
+              </a:rPr>
+              <a:t>就在每個笑</a:t>
+            </a:r>
+            <a:r>
+              <a:rPr lang="zh-CN" altLang="en-US" sz="6400" b="1" dirty="0">
+                <a:solidFill>
+                  <a:srgbClr val="000066"/>
+                </a:solidFill>
+                <a:latin typeface="微軟正黑體" pitchFamily="34" charset="-120"/>
+                <a:ea typeface="微軟正黑體" pitchFamily="34" charset="-120"/>
+              </a:rPr>
+              <a:t>臉</a:t>
+            </a:r>
+            <a:r>
+              <a:rPr lang="zh-TW" altLang="en-US" sz="6400" b="1" dirty="0">
+                <a:solidFill>
+                  <a:srgbClr val="000066"/>
+                </a:solidFill>
+                <a:latin typeface="微軟正黑體" pitchFamily="34" charset="-120"/>
+                <a:ea typeface="微軟正黑體" pitchFamily="34" charset="-120"/>
+              </a:rPr>
+              <a:t>上</a:t>
+            </a:r>
+            <a:endParaRPr lang="en-US" altLang="zh-TW" sz="6400" b="1" dirty="0">
+              <a:solidFill>
+                <a:srgbClr val="000066"/>
+              </a:solidFill>
               <a:latin typeface="微軟正黑體" pitchFamily="34" charset="-120"/>
               <a:ea typeface="微軟正黑體" pitchFamily="34" charset="-120"/>
             </a:endParaRPr>
           </a:p>
-          <a:p>
-            <a:pPr algn="ctr">
-              <a:buNone/>
-            </a:pPr>
-            <a:r>
-              <a:rPr lang="zh-TW" altLang="en-US" sz="5400" b="1" dirty="0">
-                <a:latin typeface="微軟正黑體" pitchFamily="34" charset="-120"/>
-                <a:ea typeface="微軟正黑體" pitchFamily="34" charset="-120"/>
-              </a:rPr>
-              <a:t>愛就在成長生命中</a:t>
-            </a:r>
-            <a:endParaRPr lang="en-US" altLang="zh-TW" sz="5400" b="1" dirty="0">
-              <a:latin typeface="微軟正黑體" pitchFamily="34" charset="-120"/>
-              <a:ea typeface="微軟正黑體" pitchFamily="34" charset="-120"/>
+        </p:txBody>
+      </p:sp>
+      <p:sp>
+        <p:nvSpPr>
+          <p:cNvPr id="3" name="TextBox 2"/>
+          <p:cNvSpPr txBox="1"/>
+          <p:nvPr/>
+        </p:nvSpPr>
+        <p:spPr>
+          <a:xfrm>
+            <a:off x="0" y="5157192"/>
+            <a:ext cx="12192000" cy="748988"/>
+          </a:xfrm>
+          <a:prstGeom prst="rect">
+            <a:avLst/>
+          </a:prstGeom>
+          <a:noFill/>
+        </p:spPr>
+        <p:txBody>
+          <a:bodyPr wrap="square" rtlCol="0">
+            <a:spAutoFit/>
+          </a:bodyPr>
+          <a:lstStyle/>
+          <a:p>
+            <a:pPr algn="ctr"/>
+            <a:r>
+              <a:rPr lang="en-US" sz="4267" b="1" dirty="0" smtClean="0">
+                <a:solidFill>
+                  <a:srgbClr val="000066"/>
+                </a:solidFill>
+                <a:latin typeface="Microsoft JhengHei" panose="020B0604030504040204" pitchFamily="34" charset="-120"/>
+                <a:ea typeface="Microsoft JhengHei" panose="020B0604030504040204" pitchFamily="34" charset="-120"/>
+              </a:rPr>
+              <a:t>( </a:t>
+            </a:r>
+            <a:r>
+              <a:rPr lang="zh-CN" altLang="en-US" sz="4267" b="1" dirty="0" smtClean="0">
+                <a:solidFill>
+                  <a:srgbClr val="000066"/>
+                </a:solidFill>
+                <a:latin typeface="Microsoft JhengHei" panose="020B0604030504040204" pitchFamily="34" charset="-120"/>
+                <a:ea typeface="Microsoft JhengHei" panose="020B0604030504040204" pitchFamily="34" charset="-120"/>
+              </a:rPr>
+              <a:t>正 </a:t>
+            </a:r>
+            <a:r>
+              <a:rPr lang="en-US" altLang="zh-CN" sz="4267" b="1" dirty="0" smtClean="0">
+                <a:solidFill>
+                  <a:srgbClr val="000066"/>
+                </a:solidFill>
+                <a:latin typeface="Microsoft JhengHei" panose="020B0604030504040204" pitchFamily="34" charset="-120"/>
+                <a:ea typeface="Microsoft JhengHei" panose="020B0604030504040204" pitchFamily="34" charset="-120"/>
+              </a:rPr>
+              <a:t>1</a:t>
+            </a:r>
+            <a:r>
+              <a:rPr lang="en-US" sz="4267" b="1" dirty="0" smtClean="0">
+                <a:solidFill>
+                  <a:srgbClr val="000066"/>
+                </a:solidFill>
+                <a:latin typeface="Microsoft JhengHei" panose="020B0604030504040204" pitchFamily="34" charset="-120"/>
+                <a:ea typeface="Microsoft JhengHei" panose="020B0604030504040204" pitchFamily="34" charset="-120"/>
+              </a:rPr>
+              <a:t> )</a:t>
+            </a:r>
+            <a:endParaRPr lang="vi-VN" sz="4267" b="1" dirty="0">
+              <a:solidFill>
+                <a:srgbClr val="000066"/>
+              </a:solidFill>
+              <a:ea typeface="Microsoft JhengHei" panose="020B0604030504040204" pitchFamily="34" charset="-120"/>
             </a:endParaRPr>
           </a:p>
-          <a:p>
-            <a:pPr algn="ctr">
-              <a:buNone/>
-            </a:pPr>
-            <a:r>
-              <a:rPr lang="zh-TW" altLang="en-US" sz="5400" b="1" dirty="0">
-                <a:latin typeface="微軟正黑體" pitchFamily="34" charset="-120"/>
-                <a:ea typeface="微軟正黑體" pitchFamily="34" charset="-120"/>
-              </a:rPr>
-              <a:t>如果你想知道 愛在哪裡</a:t>
-            </a:r>
-            <a:endParaRPr lang="en-US" altLang="zh-TW" sz="5400" b="1" dirty="0">
-              <a:latin typeface="微軟正黑體" pitchFamily="34" charset="-120"/>
-              <a:ea typeface="微軟正黑體" pitchFamily="34" charset="-120"/>
-            </a:endParaRPr>
-          </a:p>
-          <a:p>
-            <a:pPr algn="ctr">
-              <a:buNone/>
-            </a:pPr>
-            <a:r>
-              <a:rPr lang="zh-TW" altLang="en-US" sz="5400" b="1" dirty="0">
-                <a:latin typeface="微軟正黑體" pitchFamily="34" charset="-120"/>
-                <a:ea typeface="微軟正黑體" pitchFamily="34" charset="-120"/>
-              </a:rPr>
-              <a:t>愛就在父母的心裡</a:t>
-            </a:r>
-          </a:p>
         </p:txBody>
       </p:sp>
     </p:spTree>
+    <p:extLst>
+      <p:ext uri="{BB962C8B-B14F-4D97-AF65-F5344CB8AC3E}">
+        <p14:creationId xmlns:p14="http://schemas.microsoft.com/office/powerpoint/2010/main" val="3678521144"/>
+      </p:ext>
+    </p:extLst>
   </p:cSld>
   <p:clrMapOvr>
     <a:masterClrMapping/>
@@ -3454,128 +3641,1143 @@
       </p:grpSpPr>
       <p:sp>
         <p:nvSpPr>
-          <p:cNvPr id="2" name="標題 1"/>
-          <p:cNvSpPr>
-            <a:spLocks noGrp="1"/>
-          </p:cNvSpPr>
-          <p:nvPr>
-            <p:ph type="title"/>
-          </p:nvPr>
-        </p:nvSpPr>
-        <p:spPr/>
-        <p:txBody>
-          <a:bodyPr/>
-          <a:lstStyle/>
-          <a:p>
-            <a:r>
-              <a:rPr lang="zh-TW" altLang="en-US" b="1" dirty="0" smtClean="0">
+          <p:cNvPr id="5" name="內容版面配置區 4"/>
+          <p:cNvSpPr>
+            <a:spLocks noGrp="1"/>
+          </p:cNvSpPr>
+          <p:nvPr>
+            <p:ph idx="1"/>
+          </p:nvPr>
+        </p:nvSpPr>
+        <p:spPr>
+          <a:xfrm>
+            <a:off x="0" y="2084851"/>
+            <a:ext cx="12192000" cy="2404863"/>
+          </a:xfrm>
+        </p:spPr>
+        <p:txBody>
+          <a:bodyPr anchor="ctr">
+            <a:normAutofit/>
+          </a:bodyPr>
+          <a:lstStyle/>
+          <a:p>
+            <a:pPr marL="0" indent="0" algn="ctr">
+              <a:buNone/>
+            </a:pPr>
+            <a:r>
+              <a:rPr lang="zh-TW" altLang="en-US" sz="6400" b="1" dirty="0">
+                <a:solidFill>
+                  <a:srgbClr val="000066"/>
+                </a:solidFill>
                 <a:latin typeface="微軟正黑體" pitchFamily="34" charset="-120"/>
                 <a:ea typeface="微軟正黑體" pitchFamily="34" charset="-120"/>
               </a:rPr>
-              <a:t>如果你想知道</a:t>
-            </a:r>
-            <a:endParaRPr lang="zh-TW" altLang="en-US" b="1" dirty="0">
+              <a:t>愛在哪裡 愛在哪</a:t>
+            </a:r>
+            <a:r>
+              <a:rPr lang="zh-TW" altLang="en-US" sz="6400" b="1" dirty="0">
+                <a:solidFill>
+                  <a:srgbClr val="000066"/>
+                </a:solidFill>
+                <a:latin typeface="微軟正黑體" pitchFamily="34" charset="-120"/>
+                <a:ea typeface="微軟正黑體" pitchFamily="34" charset="-120"/>
+              </a:rPr>
+              <a:t>裡</a:t>
+            </a:r>
+            <a:endParaRPr lang="en-US" altLang="zh-TW" sz="6400" b="1" dirty="0">
+              <a:solidFill>
+                <a:srgbClr val="000066"/>
+              </a:solidFill>
               <a:latin typeface="微軟正黑體" pitchFamily="34" charset="-120"/>
               <a:ea typeface="微軟正黑體" pitchFamily="34" charset="-120"/>
             </a:endParaRPr>
           </a:p>
-        </p:txBody>
-      </p:sp>
-      <p:sp>
-        <p:nvSpPr>
-          <p:cNvPr id="3" name="內容版面配置區 2"/>
-          <p:cNvSpPr>
-            <a:spLocks noGrp="1"/>
-          </p:cNvSpPr>
-          <p:nvPr>
-            <p:ph idx="1"/>
-          </p:nvPr>
-        </p:nvSpPr>
-        <p:spPr/>
-        <p:txBody>
-          <a:bodyPr>
-            <a:normAutofit/>
-          </a:bodyPr>
-          <a:lstStyle/>
-          <a:p>
-            <a:pPr algn="ctr">
+          <a:p>
+            <a:pPr marL="0" indent="0" algn="ctr">
               <a:buNone/>
             </a:pPr>
             <a:r>
-              <a:rPr lang="zh-TW" altLang="en-US" sz="5400" b="1" dirty="0">
+              <a:rPr lang="zh-TW" altLang="en-US" sz="6400" b="1" dirty="0">
+                <a:solidFill>
+                  <a:srgbClr val="000066"/>
+                </a:solidFill>
                 <a:latin typeface="微軟正黑體" pitchFamily="34" charset="-120"/>
                 <a:ea typeface="微軟正黑體" pitchFamily="34" charset="-120"/>
               </a:rPr>
-              <a:t>愛在哪裡 愛在哪裡</a:t>
-            </a:r>
-            <a:endParaRPr lang="en-US" altLang="zh-TW" sz="5400" b="1" dirty="0">
+              <a:t>愛</a:t>
+            </a:r>
+            <a:r>
+              <a:rPr lang="zh-TW" altLang="en-US" sz="6400" b="1" dirty="0">
+                <a:solidFill>
+                  <a:srgbClr val="000066"/>
+                </a:solidFill>
+                <a:latin typeface="微軟正黑體" pitchFamily="34" charset="-120"/>
+                <a:ea typeface="微軟正黑體" pitchFamily="34" charset="-120"/>
+              </a:rPr>
+              <a:t>就在神的愛子</a:t>
+            </a:r>
+            <a:r>
+              <a:rPr lang="zh-TW" altLang="en-US" sz="6400" b="1" dirty="0">
+                <a:solidFill>
+                  <a:srgbClr val="000066"/>
+                </a:solidFill>
+                <a:latin typeface="微軟正黑體" pitchFamily="34" charset="-120"/>
+                <a:ea typeface="微軟正黑體" pitchFamily="34" charset="-120"/>
+              </a:rPr>
+              <a:t>裡</a:t>
+            </a:r>
+            <a:endParaRPr lang="en-US" altLang="zh-TW" sz="6400" b="1" dirty="0">
+              <a:solidFill>
+                <a:srgbClr val="000066"/>
+              </a:solidFill>
               <a:latin typeface="微軟正黑體" pitchFamily="34" charset="-120"/>
               <a:ea typeface="微軟正黑體" pitchFamily="34" charset="-120"/>
             </a:endParaRPr>
           </a:p>
-          <a:p>
-            <a:pPr algn="ctr">
-              <a:buNone/>
-            </a:pPr>
-            <a:r>
-              <a:rPr lang="zh-TW" altLang="en-US" sz="5400" b="1" dirty="0">
-                <a:latin typeface="微軟正黑體" pitchFamily="34" charset="-120"/>
-                <a:ea typeface="微軟正黑體" pitchFamily="34" charset="-120"/>
-              </a:rPr>
-              <a:t>愛就在神的愛子裡</a:t>
-            </a:r>
-            <a:endParaRPr lang="en-US" altLang="zh-TW" sz="5400" b="1" dirty="0">
-              <a:latin typeface="微軟正黑體" pitchFamily="34" charset="-120"/>
-              <a:ea typeface="微軟正黑體" pitchFamily="34" charset="-120"/>
+        </p:txBody>
+      </p:sp>
+      <p:sp>
+        <p:nvSpPr>
+          <p:cNvPr id="3" name="TextBox 2"/>
+          <p:cNvSpPr txBox="1"/>
+          <p:nvPr/>
+        </p:nvSpPr>
+        <p:spPr>
+          <a:xfrm>
+            <a:off x="0" y="5157192"/>
+            <a:ext cx="12192000" cy="748988"/>
+          </a:xfrm>
+          <a:prstGeom prst="rect">
+            <a:avLst/>
+          </a:prstGeom>
+          <a:noFill/>
+        </p:spPr>
+        <p:txBody>
+          <a:bodyPr wrap="square" rtlCol="0">
+            <a:spAutoFit/>
+          </a:bodyPr>
+          <a:lstStyle/>
+          <a:p>
+            <a:pPr algn="ctr"/>
+            <a:r>
+              <a:rPr lang="en-US" sz="4267" b="1" dirty="0">
+                <a:solidFill>
+                  <a:srgbClr val="000066"/>
+                </a:solidFill>
+                <a:latin typeface="Microsoft JhengHei" panose="020B0604030504040204" pitchFamily="34" charset="-120"/>
+                <a:ea typeface="Microsoft JhengHei" panose="020B0604030504040204" pitchFamily="34" charset="-120"/>
+              </a:rPr>
+              <a:t>( </a:t>
+            </a:r>
+            <a:r>
+              <a:rPr lang="zh-CN" altLang="en-US" sz="4267" b="1" dirty="0" smtClean="0">
+                <a:solidFill>
+                  <a:srgbClr val="000066"/>
+                </a:solidFill>
+                <a:latin typeface="Microsoft JhengHei" panose="020B0604030504040204" pitchFamily="34" charset="-120"/>
+                <a:ea typeface="Microsoft JhengHei" panose="020B0604030504040204" pitchFamily="34" charset="-120"/>
+              </a:rPr>
+              <a:t>副</a:t>
+            </a:r>
+            <a:r>
+              <a:rPr lang="en-US" sz="4267" b="1" dirty="0" smtClean="0">
+                <a:solidFill>
+                  <a:srgbClr val="000066"/>
+                </a:solidFill>
+                <a:latin typeface="Microsoft JhengHei" panose="020B0604030504040204" pitchFamily="34" charset="-120"/>
+                <a:ea typeface="Microsoft JhengHei" panose="020B0604030504040204" pitchFamily="34" charset="-120"/>
+              </a:rPr>
+              <a:t> </a:t>
+            </a:r>
+            <a:r>
+              <a:rPr lang="en-US" sz="4267" b="1" dirty="0">
+                <a:solidFill>
+                  <a:srgbClr val="000066"/>
+                </a:solidFill>
+                <a:latin typeface="Microsoft JhengHei" panose="020B0604030504040204" pitchFamily="34" charset="-120"/>
+                <a:ea typeface="Microsoft JhengHei" panose="020B0604030504040204" pitchFamily="34" charset="-120"/>
+              </a:rPr>
+              <a:t>)</a:t>
+            </a:r>
+            <a:endParaRPr lang="vi-VN" sz="4267" b="1" dirty="0">
+              <a:solidFill>
+                <a:srgbClr val="000066"/>
+              </a:solidFill>
+              <a:ea typeface="Microsoft JhengHei" panose="020B0604030504040204" pitchFamily="34" charset="-120"/>
             </a:endParaRPr>
           </a:p>
-          <a:p>
-            <a:pPr algn="ctr">
-              <a:buNone/>
-            </a:pPr>
-            <a:r>
-              <a:rPr lang="zh-TW" altLang="en-US" sz="5400" b="1" dirty="0">
-                <a:latin typeface="微軟正黑體" pitchFamily="34" charset="-120"/>
-                <a:ea typeface="微軟正黑體" pitchFamily="34" charset="-120"/>
-              </a:rPr>
-              <a:t>愛從何來 愛從何來</a:t>
-            </a:r>
-            <a:endParaRPr lang="en-US" altLang="zh-TW" sz="5400" b="1" dirty="0">
-              <a:latin typeface="微軟正黑體" pitchFamily="34" charset="-120"/>
-              <a:ea typeface="微軟正黑體" pitchFamily="34" charset="-120"/>
-            </a:endParaRPr>
-          </a:p>
-          <a:p>
-            <a:pPr algn="ctr">
-              <a:buNone/>
-            </a:pPr>
-            <a:r>
-              <a:rPr lang="zh-TW" altLang="en-US" sz="5400" b="1" dirty="0">
-                <a:latin typeface="微軟正黑體" pitchFamily="34" charset="-120"/>
-                <a:ea typeface="微軟正黑體" pitchFamily="34" charset="-120"/>
-              </a:rPr>
-              <a:t>愛它是從神而來</a:t>
-            </a:r>
-          </a:p>
         </p:txBody>
       </p:sp>
     </p:spTree>
+    <p:extLst>
+      <p:ext uri="{BB962C8B-B14F-4D97-AF65-F5344CB8AC3E}">
+        <p14:creationId xmlns:p14="http://schemas.microsoft.com/office/powerpoint/2010/main" val="2295391642"/>
+      </p:ext>
+    </p:extLst>
   </p:cSld>
   <p:clrMapOvr>
     <a:masterClrMapping/>
   </p:clrMapOvr>
-  <p:timing>
-    <p:tnLst>
-      <p:par>
-        <p:cTn id="1" dur="indefinite" restart="never" nodeType="tmRoot"/>
-      </p:par>
-    </p:tnLst>
-  </p:timing>
+</p:sld>
+</file>
+
+<file path=ppt/slides/slide5.xml><?xml version="1.0" encoding="utf-8"?>
+<p:sld xmlns:a="http://schemas.openxmlformats.org/drawingml/2006/main" xmlns:r="http://schemas.openxmlformats.org/officeDocument/2006/relationships" xmlns:p="http://schemas.openxmlformats.org/presentationml/2006/main">
+  <p:cSld>
+    <p:spTree>
+      <p:nvGrpSpPr>
+        <p:cNvPr id="1" name=""/>
+        <p:cNvGrpSpPr/>
+        <p:nvPr/>
+      </p:nvGrpSpPr>
+      <p:grpSpPr>
+        <a:xfrm>
+          <a:off x="0" y="0"/>
+          <a:ext cx="0" cy="0"/>
+          <a:chOff x="0" y="0"/>
+          <a:chExt cx="0" cy="0"/>
+        </a:xfrm>
+      </p:grpSpPr>
+      <p:sp>
+        <p:nvSpPr>
+          <p:cNvPr id="5" name="內容版面配置區 4"/>
+          <p:cNvSpPr>
+            <a:spLocks noGrp="1"/>
+          </p:cNvSpPr>
+          <p:nvPr>
+            <p:ph idx="1"/>
+          </p:nvPr>
+        </p:nvSpPr>
+        <p:spPr>
+          <a:xfrm>
+            <a:off x="0" y="2084851"/>
+            <a:ext cx="12192000" cy="2404863"/>
+          </a:xfrm>
+        </p:spPr>
+        <p:txBody>
+          <a:bodyPr anchor="ctr">
+            <a:normAutofit/>
+          </a:bodyPr>
+          <a:lstStyle/>
+          <a:p>
+            <a:pPr marL="0" indent="0" algn="ctr">
+              <a:buNone/>
+            </a:pPr>
+            <a:r>
+              <a:rPr lang="zh-TW" altLang="en-US" sz="6400" b="1" dirty="0">
+                <a:solidFill>
+                  <a:srgbClr val="000066"/>
+                </a:solidFill>
+                <a:latin typeface="微軟正黑體" pitchFamily="34" charset="-120"/>
+                <a:ea typeface="微軟正黑體" pitchFamily="34" charset="-120"/>
+              </a:rPr>
+              <a:t>愛從何來 愛從何</a:t>
+            </a:r>
+            <a:r>
+              <a:rPr lang="zh-TW" altLang="en-US" sz="6400" b="1" dirty="0">
+                <a:solidFill>
+                  <a:srgbClr val="000066"/>
+                </a:solidFill>
+                <a:latin typeface="微軟正黑體" pitchFamily="34" charset="-120"/>
+                <a:ea typeface="微軟正黑體" pitchFamily="34" charset="-120"/>
+              </a:rPr>
+              <a:t>來</a:t>
+            </a:r>
+            <a:endParaRPr lang="en-US" altLang="zh-TW" sz="6400" b="1" dirty="0">
+              <a:solidFill>
+                <a:srgbClr val="000066"/>
+              </a:solidFill>
+              <a:latin typeface="微軟正黑體" pitchFamily="34" charset="-120"/>
+              <a:ea typeface="微軟正黑體" pitchFamily="34" charset="-120"/>
+            </a:endParaRPr>
+          </a:p>
+          <a:p>
+            <a:pPr marL="0" indent="0" algn="ctr">
+              <a:buNone/>
+            </a:pPr>
+            <a:r>
+              <a:rPr lang="zh-TW" altLang="en-US" sz="6400" b="1" dirty="0">
+                <a:solidFill>
+                  <a:srgbClr val="000066"/>
+                </a:solidFill>
+                <a:latin typeface="微軟正黑體" pitchFamily="34" charset="-120"/>
+                <a:ea typeface="微軟正黑體" pitchFamily="34" charset="-120"/>
+              </a:rPr>
+              <a:t>愛</a:t>
+            </a:r>
+            <a:r>
+              <a:rPr lang="zh-TW" altLang="en-US" sz="6400" b="1" dirty="0">
+                <a:solidFill>
+                  <a:srgbClr val="000066"/>
+                </a:solidFill>
+                <a:latin typeface="微軟正黑體" pitchFamily="34" charset="-120"/>
+                <a:ea typeface="微軟正黑體" pitchFamily="34" charset="-120"/>
+              </a:rPr>
+              <a:t>它是從神而來</a:t>
+            </a:r>
+            <a:endParaRPr lang="en-US" altLang="zh-TW" sz="6400" b="1" dirty="0">
+              <a:solidFill>
+                <a:srgbClr val="000066"/>
+              </a:solidFill>
+              <a:latin typeface="微軟正黑體" pitchFamily="34" charset="-120"/>
+              <a:ea typeface="微軟正黑體" pitchFamily="34" charset="-120"/>
+            </a:endParaRPr>
+          </a:p>
+        </p:txBody>
+      </p:sp>
+      <p:sp>
+        <p:nvSpPr>
+          <p:cNvPr id="3" name="TextBox 2"/>
+          <p:cNvSpPr txBox="1"/>
+          <p:nvPr/>
+        </p:nvSpPr>
+        <p:spPr>
+          <a:xfrm>
+            <a:off x="0" y="5157192"/>
+            <a:ext cx="12192000" cy="748988"/>
+          </a:xfrm>
+          <a:prstGeom prst="rect">
+            <a:avLst/>
+          </a:prstGeom>
+          <a:noFill/>
+        </p:spPr>
+        <p:txBody>
+          <a:bodyPr wrap="square" rtlCol="0">
+            <a:spAutoFit/>
+          </a:bodyPr>
+          <a:lstStyle/>
+          <a:p>
+            <a:pPr algn="ctr"/>
+            <a:r>
+              <a:rPr lang="en-US" sz="4267" b="1" dirty="0" smtClean="0">
+                <a:solidFill>
+                  <a:srgbClr val="000066"/>
+                </a:solidFill>
+                <a:latin typeface="Microsoft JhengHei" panose="020B0604030504040204" pitchFamily="34" charset="-120"/>
+                <a:ea typeface="Microsoft JhengHei" panose="020B0604030504040204" pitchFamily="34" charset="-120"/>
+              </a:rPr>
+              <a:t>( </a:t>
+            </a:r>
+            <a:r>
+              <a:rPr lang="zh-CN" altLang="en-US" sz="4267" b="1" dirty="0" smtClean="0">
+                <a:solidFill>
+                  <a:srgbClr val="000066"/>
+                </a:solidFill>
+                <a:latin typeface="Microsoft JhengHei" panose="020B0604030504040204" pitchFamily="34" charset="-120"/>
+                <a:ea typeface="Microsoft JhengHei" panose="020B0604030504040204" pitchFamily="34" charset="-120"/>
+              </a:rPr>
+              <a:t>副</a:t>
+            </a:r>
+            <a:r>
+              <a:rPr lang="en-US" sz="4267" b="1" dirty="0" smtClean="0">
+                <a:solidFill>
+                  <a:srgbClr val="000066"/>
+                </a:solidFill>
+                <a:latin typeface="Microsoft JhengHei" panose="020B0604030504040204" pitchFamily="34" charset="-120"/>
+                <a:ea typeface="Microsoft JhengHei" panose="020B0604030504040204" pitchFamily="34" charset="-120"/>
+              </a:rPr>
+              <a:t> )</a:t>
+            </a:r>
+            <a:endParaRPr lang="vi-VN" sz="4267" b="1" dirty="0">
+              <a:solidFill>
+                <a:srgbClr val="000066"/>
+              </a:solidFill>
+              <a:ea typeface="Microsoft JhengHei" panose="020B0604030504040204" pitchFamily="34" charset="-120"/>
+            </a:endParaRPr>
+          </a:p>
+        </p:txBody>
+      </p:sp>
+    </p:spTree>
+    <p:extLst>
+      <p:ext uri="{BB962C8B-B14F-4D97-AF65-F5344CB8AC3E}">
+        <p14:creationId xmlns:p14="http://schemas.microsoft.com/office/powerpoint/2010/main" val="2911888504"/>
+      </p:ext>
+    </p:extLst>
+  </p:cSld>
+  <p:clrMapOvr>
+    <a:masterClrMapping/>
+  </p:clrMapOvr>
+</p:sld>
+</file>
+
+<file path=ppt/slides/slide6.xml><?xml version="1.0" encoding="utf-8"?>
+<p:sld xmlns:a="http://schemas.openxmlformats.org/drawingml/2006/main" xmlns:r="http://schemas.openxmlformats.org/officeDocument/2006/relationships" xmlns:p="http://schemas.openxmlformats.org/presentationml/2006/main">
+  <p:cSld>
+    <p:spTree>
+      <p:nvGrpSpPr>
+        <p:cNvPr id="1" name=""/>
+        <p:cNvGrpSpPr/>
+        <p:nvPr/>
+      </p:nvGrpSpPr>
+      <p:grpSpPr>
+        <a:xfrm>
+          <a:off x="0" y="0"/>
+          <a:ext cx="0" cy="0"/>
+          <a:chOff x="0" y="0"/>
+          <a:chExt cx="0" cy="0"/>
+        </a:xfrm>
+      </p:grpSpPr>
+      <p:sp>
+        <p:nvSpPr>
+          <p:cNvPr id="5" name="內容版面配置區 4"/>
+          <p:cNvSpPr>
+            <a:spLocks noGrp="1"/>
+          </p:cNvSpPr>
+          <p:nvPr>
+            <p:ph idx="1"/>
+          </p:nvPr>
+        </p:nvSpPr>
+        <p:spPr>
+          <a:xfrm>
+            <a:off x="0" y="2084851"/>
+            <a:ext cx="12192000" cy="2404863"/>
+          </a:xfrm>
+        </p:spPr>
+        <p:txBody>
+          <a:bodyPr anchor="ctr">
+            <a:normAutofit/>
+          </a:bodyPr>
+          <a:lstStyle/>
+          <a:p>
+            <a:pPr marL="0" indent="0" algn="ctr">
+              <a:buNone/>
+            </a:pPr>
+            <a:r>
+              <a:rPr lang="zh-TW" altLang="en-US" sz="6400" b="1" dirty="0">
+                <a:solidFill>
+                  <a:srgbClr val="000066"/>
+                </a:solidFill>
+                <a:latin typeface="微軟正黑體" pitchFamily="34" charset="-120"/>
+                <a:ea typeface="微軟正黑體" pitchFamily="34" charset="-120"/>
+              </a:rPr>
+              <a:t>如果你想知道 </a:t>
+            </a:r>
+            <a:r>
+              <a:rPr lang="zh-TW" altLang="en-US" sz="6400" b="1" dirty="0">
+                <a:solidFill>
+                  <a:srgbClr val="000066"/>
+                </a:solidFill>
+                <a:latin typeface="微軟正黑體" pitchFamily="34" charset="-120"/>
+                <a:ea typeface="微軟正黑體" pitchFamily="34" charset="-120"/>
+              </a:rPr>
+              <a:t> 愛</a:t>
+            </a:r>
+            <a:r>
+              <a:rPr lang="zh-TW" altLang="en-US" sz="6400" b="1" dirty="0">
+                <a:solidFill>
+                  <a:srgbClr val="000066"/>
+                </a:solidFill>
+                <a:latin typeface="微軟正黑體" pitchFamily="34" charset="-120"/>
+                <a:ea typeface="微軟正黑體" pitchFamily="34" charset="-120"/>
+              </a:rPr>
+              <a:t>在哪</a:t>
+            </a:r>
+            <a:r>
+              <a:rPr lang="zh-TW" altLang="en-US" sz="6400" b="1" dirty="0">
+                <a:solidFill>
+                  <a:srgbClr val="000066"/>
+                </a:solidFill>
+                <a:latin typeface="微軟正黑體" pitchFamily="34" charset="-120"/>
+                <a:ea typeface="微軟正黑體" pitchFamily="34" charset="-120"/>
+              </a:rPr>
+              <a:t>裡</a:t>
+            </a:r>
+            <a:endParaRPr lang="en-US" altLang="zh-TW" sz="6400" b="1" dirty="0">
+              <a:solidFill>
+                <a:srgbClr val="000066"/>
+              </a:solidFill>
+              <a:latin typeface="微軟正黑體" pitchFamily="34" charset="-120"/>
+              <a:ea typeface="微軟正黑體" pitchFamily="34" charset="-120"/>
+            </a:endParaRPr>
+          </a:p>
+          <a:p>
+            <a:pPr marL="0" indent="0" algn="ctr">
+              <a:buNone/>
+            </a:pPr>
+            <a:r>
+              <a:rPr lang="zh-TW" altLang="en-US" sz="6400" b="1" dirty="0">
+                <a:solidFill>
+                  <a:srgbClr val="000066"/>
+                </a:solidFill>
+                <a:latin typeface="微軟正黑體" pitchFamily="34" charset="-120"/>
+                <a:ea typeface="微軟正黑體" pitchFamily="34" charset="-120"/>
+              </a:rPr>
+              <a:t>愛</a:t>
+            </a:r>
+            <a:r>
+              <a:rPr lang="zh-TW" altLang="en-US" sz="6400" b="1" dirty="0">
+                <a:solidFill>
+                  <a:srgbClr val="000066"/>
+                </a:solidFill>
+                <a:latin typeface="微軟正黑體" pitchFamily="34" charset="-120"/>
+                <a:ea typeface="微軟正黑體" pitchFamily="34" charset="-120"/>
+              </a:rPr>
+              <a:t>就在成長生命中</a:t>
+            </a:r>
+            <a:endParaRPr lang="en-US" altLang="zh-TW" sz="6400" b="1" dirty="0">
+              <a:solidFill>
+                <a:srgbClr val="000066"/>
+              </a:solidFill>
+              <a:latin typeface="微軟正黑體" pitchFamily="34" charset="-120"/>
+              <a:ea typeface="微軟正黑體" pitchFamily="34" charset="-120"/>
+            </a:endParaRPr>
+          </a:p>
+        </p:txBody>
+      </p:sp>
+      <p:sp>
+        <p:nvSpPr>
+          <p:cNvPr id="3" name="TextBox 2"/>
+          <p:cNvSpPr txBox="1"/>
+          <p:nvPr/>
+        </p:nvSpPr>
+        <p:spPr>
+          <a:xfrm>
+            <a:off x="0" y="5157192"/>
+            <a:ext cx="12192000" cy="748988"/>
+          </a:xfrm>
+          <a:prstGeom prst="rect">
+            <a:avLst/>
+          </a:prstGeom>
+          <a:noFill/>
+        </p:spPr>
+        <p:txBody>
+          <a:bodyPr wrap="square" rtlCol="0">
+            <a:spAutoFit/>
+          </a:bodyPr>
+          <a:lstStyle/>
+          <a:p>
+            <a:pPr algn="ctr"/>
+            <a:r>
+              <a:rPr lang="en-US" sz="4267" b="1" dirty="0" smtClean="0">
+                <a:solidFill>
+                  <a:srgbClr val="000066"/>
+                </a:solidFill>
+                <a:latin typeface="Microsoft JhengHei" panose="020B0604030504040204" pitchFamily="34" charset="-120"/>
+                <a:ea typeface="Microsoft JhengHei" panose="020B0604030504040204" pitchFamily="34" charset="-120"/>
+              </a:rPr>
+              <a:t>( </a:t>
+            </a:r>
+            <a:r>
+              <a:rPr lang="zh-CN" altLang="en-US" sz="4267" b="1" dirty="0" smtClean="0">
+                <a:solidFill>
+                  <a:srgbClr val="000066"/>
+                </a:solidFill>
+                <a:latin typeface="Microsoft JhengHei" panose="020B0604030504040204" pitchFamily="34" charset="-120"/>
+                <a:ea typeface="Microsoft JhengHei" panose="020B0604030504040204" pitchFamily="34" charset="-120"/>
+              </a:rPr>
+              <a:t>正 </a:t>
+            </a:r>
+            <a:r>
+              <a:rPr lang="en-US" altLang="zh-CN" sz="4267" b="1" dirty="0" smtClean="0">
+                <a:solidFill>
+                  <a:srgbClr val="000066"/>
+                </a:solidFill>
+                <a:latin typeface="Microsoft JhengHei" panose="020B0604030504040204" pitchFamily="34" charset="-120"/>
+                <a:ea typeface="Microsoft JhengHei" panose="020B0604030504040204" pitchFamily="34" charset="-120"/>
+              </a:rPr>
+              <a:t>2</a:t>
+            </a:r>
+            <a:r>
+              <a:rPr lang="en-US" sz="4267" b="1" dirty="0" smtClean="0">
+                <a:solidFill>
+                  <a:srgbClr val="000066"/>
+                </a:solidFill>
+                <a:latin typeface="Microsoft JhengHei" panose="020B0604030504040204" pitchFamily="34" charset="-120"/>
+                <a:ea typeface="Microsoft JhengHei" panose="020B0604030504040204" pitchFamily="34" charset="-120"/>
+              </a:rPr>
+              <a:t> )</a:t>
+            </a:r>
+            <a:endParaRPr lang="vi-VN" sz="4267" b="1" dirty="0">
+              <a:solidFill>
+                <a:srgbClr val="000066"/>
+              </a:solidFill>
+              <a:ea typeface="Microsoft JhengHei" panose="020B0604030504040204" pitchFamily="34" charset="-120"/>
+            </a:endParaRPr>
+          </a:p>
+        </p:txBody>
+      </p:sp>
+    </p:spTree>
+    <p:extLst>
+      <p:ext uri="{BB962C8B-B14F-4D97-AF65-F5344CB8AC3E}">
+        <p14:creationId xmlns:p14="http://schemas.microsoft.com/office/powerpoint/2010/main" val="3749478827"/>
+      </p:ext>
+    </p:extLst>
+  </p:cSld>
+  <p:clrMapOvr>
+    <a:masterClrMapping/>
+  </p:clrMapOvr>
+</p:sld>
+</file>
+
+<file path=ppt/slides/slide7.xml><?xml version="1.0" encoding="utf-8"?>
+<p:sld xmlns:a="http://schemas.openxmlformats.org/drawingml/2006/main" xmlns:r="http://schemas.openxmlformats.org/officeDocument/2006/relationships" xmlns:p="http://schemas.openxmlformats.org/presentationml/2006/main">
+  <p:cSld>
+    <p:spTree>
+      <p:nvGrpSpPr>
+        <p:cNvPr id="1" name=""/>
+        <p:cNvGrpSpPr/>
+        <p:nvPr/>
+      </p:nvGrpSpPr>
+      <p:grpSpPr>
+        <a:xfrm>
+          <a:off x="0" y="0"/>
+          <a:ext cx="0" cy="0"/>
+          <a:chOff x="0" y="0"/>
+          <a:chExt cx="0" cy="0"/>
+        </a:xfrm>
+      </p:grpSpPr>
+      <p:sp>
+        <p:nvSpPr>
+          <p:cNvPr id="5" name="內容版面配置區 4"/>
+          <p:cNvSpPr>
+            <a:spLocks noGrp="1"/>
+          </p:cNvSpPr>
+          <p:nvPr>
+            <p:ph idx="1"/>
+          </p:nvPr>
+        </p:nvSpPr>
+        <p:spPr>
+          <a:xfrm>
+            <a:off x="0" y="2084851"/>
+            <a:ext cx="12192000" cy="2404863"/>
+          </a:xfrm>
+        </p:spPr>
+        <p:txBody>
+          <a:bodyPr anchor="ctr">
+            <a:normAutofit/>
+          </a:bodyPr>
+          <a:lstStyle/>
+          <a:p>
+            <a:pPr marL="0" indent="0" algn="ctr">
+              <a:buNone/>
+            </a:pPr>
+            <a:r>
+              <a:rPr lang="zh-TW" altLang="en-US" sz="6400" b="1" dirty="0">
+                <a:solidFill>
+                  <a:srgbClr val="000066"/>
+                </a:solidFill>
+                <a:latin typeface="微軟正黑體" pitchFamily="34" charset="-120"/>
+                <a:ea typeface="微軟正黑體" pitchFamily="34" charset="-120"/>
+              </a:rPr>
+              <a:t>如果你想知道 愛在哪</a:t>
+            </a:r>
+            <a:r>
+              <a:rPr lang="zh-TW" altLang="en-US" sz="6400" b="1" dirty="0">
+                <a:solidFill>
+                  <a:srgbClr val="000066"/>
+                </a:solidFill>
+                <a:latin typeface="微軟正黑體" pitchFamily="34" charset="-120"/>
+                <a:ea typeface="微軟正黑體" pitchFamily="34" charset="-120"/>
+              </a:rPr>
+              <a:t>裡</a:t>
+            </a:r>
+            <a:endParaRPr lang="en-US" altLang="zh-TW" sz="6400" b="1" dirty="0">
+              <a:solidFill>
+                <a:srgbClr val="000066"/>
+              </a:solidFill>
+              <a:latin typeface="微軟正黑體" pitchFamily="34" charset="-120"/>
+              <a:ea typeface="微軟正黑體" pitchFamily="34" charset="-120"/>
+            </a:endParaRPr>
+          </a:p>
+          <a:p>
+            <a:pPr marL="0" indent="0" algn="ctr">
+              <a:buNone/>
+            </a:pPr>
+            <a:r>
+              <a:rPr lang="zh-TW" altLang="en-US" sz="6400" b="1" dirty="0">
+                <a:solidFill>
+                  <a:srgbClr val="000066"/>
+                </a:solidFill>
+                <a:latin typeface="微軟正黑體" pitchFamily="34" charset="-120"/>
+                <a:ea typeface="微軟正黑體" pitchFamily="34" charset="-120"/>
+              </a:rPr>
+              <a:t>愛</a:t>
+            </a:r>
+            <a:r>
+              <a:rPr lang="zh-TW" altLang="en-US" sz="6400" b="1" dirty="0">
+                <a:solidFill>
+                  <a:srgbClr val="000066"/>
+                </a:solidFill>
+                <a:latin typeface="微軟正黑體" pitchFamily="34" charset="-120"/>
+                <a:ea typeface="微軟正黑體" pitchFamily="34" charset="-120"/>
+              </a:rPr>
+              <a:t>就在父母的心裡</a:t>
+            </a:r>
+            <a:endParaRPr lang="en-US" altLang="zh-TW" sz="6400" b="1" dirty="0">
+              <a:solidFill>
+                <a:srgbClr val="000066"/>
+              </a:solidFill>
+              <a:latin typeface="微軟正黑體" pitchFamily="34" charset="-120"/>
+              <a:ea typeface="微軟正黑體" pitchFamily="34" charset="-120"/>
+            </a:endParaRPr>
+          </a:p>
+        </p:txBody>
+      </p:sp>
+      <p:sp>
+        <p:nvSpPr>
+          <p:cNvPr id="3" name="TextBox 2"/>
+          <p:cNvSpPr txBox="1"/>
+          <p:nvPr/>
+        </p:nvSpPr>
+        <p:spPr>
+          <a:xfrm>
+            <a:off x="0" y="5157192"/>
+            <a:ext cx="12192000" cy="748988"/>
+          </a:xfrm>
+          <a:prstGeom prst="rect">
+            <a:avLst/>
+          </a:prstGeom>
+          <a:noFill/>
+        </p:spPr>
+        <p:txBody>
+          <a:bodyPr wrap="square" rtlCol="0">
+            <a:spAutoFit/>
+          </a:bodyPr>
+          <a:lstStyle/>
+          <a:p>
+            <a:pPr algn="ctr"/>
+            <a:r>
+              <a:rPr lang="en-US" sz="4267" b="1" dirty="0" smtClean="0">
+                <a:solidFill>
+                  <a:srgbClr val="000066"/>
+                </a:solidFill>
+                <a:latin typeface="Microsoft JhengHei" panose="020B0604030504040204" pitchFamily="34" charset="-120"/>
+                <a:ea typeface="Microsoft JhengHei" panose="020B0604030504040204" pitchFamily="34" charset="-120"/>
+              </a:rPr>
+              <a:t>( </a:t>
+            </a:r>
+            <a:r>
+              <a:rPr lang="zh-CN" altLang="en-US" sz="4267" b="1" dirty="0" smtClean="0">
+                <a:solidFill>
+                  <a:srgbClr val="000066"/>
+                </a:solidFill>
+                <a:latin typeface="Microsoft JhengHei" panose="020B0604030504040204" pitchFamily="34" charset="-120"/>
+                <a:ea typeface="Microsoft JhengHei" panose="020B0604030504040204" pitchFamily="34" charset="-120"/>
+              </a:rPr>
+              <a:t>正 </a:t>
+            </a:r>
+            <a:r>
+              <a:rPr lang="en-US" altLang="zh-CN" sz="4267" b="1" dirty="0" smtClean="0">
+                <a:solidFill>
+                  <a:srgbClr val="000066"/>
+                </a:solidFill>
+                <a:latin typeface="Microsoft JhengHei" panose="020B0604030504040204" pitchFamily="34" charset="-120"/>
+                <a:ea typeface="Microsoft JhengHei" panose="020B0604030504040204" pitchFamily="34" charset="-120"/>
+              </a:rPr>
+              <a:t>2</a:t>
+            </a:r>
+            <a:r>
+              <a:rPr lang="en-US" sz="4267" b="1" dirty="0" smtClean="0">
+                <a:solidFill>
+                  <a:srgbClr val="000066"/>
+                </a:solidFill>
+                <a:latin typeface="Microsoft JhengHei" panose="020B0604030504040204" pitchFamily="34" charset="-120"/>
+                <a:ea typeface="Microsoft JhengHei" panose="020B0604030504040204" pitchFamily="34" charset="-120"/>
+              </a:rPr>
+              <a:t> )</a:t>
+            </a:r>
+            <a:endParaRPr lang="vi-VN" sz="4267" b="1" dirty="0">
+              <a:solidFill>
+                <a:srgbClr val="000066"/>
+              </a:solidFill>
+              <a:ea typeface="Microsoft JhengHei" panose="020B0604030504040204" pitchFamily="34" charset="-120"/>
+            </a:endParaRPr>
+          </a:p>
+        </p:txBody>
+      </p:sp>
+    </p:spTree>
+    <p:extLst>
+      <p:ext uri="{BB962C8B-B14F-4D97-AF65-F5344CB8AC3E}">
+        <p14:creationId xmlns:p14="http://schemas.microsoft.com/office/powerpoint/2010/main" val="861189083"/>
+      </p:ext>
+    </p:extLst>
+  </p:cSld>
+  <p:clrMapOvr>
+    <a:masterClrMapping/>
+  </p:clrMapOvr>
+</p:sld>
+</file>
+
+<file path=ppt/slides/slide8.xml><?xml version="1.0" encoding="utf-8"?>
+<p:sld xmlns:a="http://schemas.openxmlformats.org/drawingml/2006/main" xmlns:r="http://schemas.openxmlformats.org/officeDocument/2006/relationships" xmlns:p="http://schemas.openxmlformats.org/presentationml/2006/main">
+  <p:cSld>
+    <p:spTree>
+      <p:nvGrpSpPr>
+        <p:cNvPr id="1" name=""/>
+        <p:cNvGrpSpPr/>
+        <p:nvPr/>
+      </p:nvGrpSpPr>
+      <p:grpSpPr>
+        <a:xfrm>
+          <a:off x="0" y="0"/>
+          <a:ext cx="0" cy="0"/>
+          <a:chOff x="0" y="0"/>
+          <a:chExt cx="0" cy="0"/>
+        </a:xfrm>
+      </p:grpSpPr>
+      <p:sp>
+        <p:nvSpPr>
+          <p:cNvPr id="5" name="內容版面配置區 4"/>
+          <p:cNvSpPr>
+            <a:spLocks noGrp="1"/>
+          </p:cNvSpPr>
+          <p:nvPr>
+            <p:ph idx="1"/>
+          </p:nvPr>
+        </p:nvSpPr>
+        <p:spPr>
+          <a:xfrm>
+            <a:off x="0" y="2084851"/>
+            <a:ext cx="12192000" cy="2404863"/>
+          </a:xfrm>
+        </p:spPr>
+        <p:txBody>
+          <a:bodyPr anchor="ctr">
+            <a:normAutofit/>
+          </a:bodyPr>
+          <a:lstStyle/>
+          <a:p>
+            <a:pPr marL="0" indent="0" algn="ctr">
+              <a:buNone/>
+            </a:pPr>
+            <a:r>
+              <a:rPr lang="zh-TW" altLang="en-US" sz="6400" b="1" dirty="0">
+                <a:solidFill>
+                  <a:srgbClr val="000066"/>
+                </a:solidFill>
+                <a:latin typeface="微軟正黑體" pitchFamily="34" charset="-120"/>
+                <a:ea typeface="微軟正黑體" pitchFamily="34" charset="-120"/>
+              </a:rPr>
+              <a:t>愛在哪裡 愛在哪</a:t>
+            </a:r>
+            <a:r>
+              <a:rPr lang="zh-TW" altLang="en-US" sz="6400" b="1" dirty="0">
+                <a:solidFill>
+                  <a:srgbClr val="000066"/>
+                </a:solidFill>
+                <a:latin typeface="微軟正黑體" pitchFamily="34" charset="-120"/>
+                <a:ea typeface="微軟正黑體" pitchFamily="34" charset="-120"/>
+              </a:rPr>
+              <a:t>裡</a:t>
+            </a:r>
+            <a:endParaRPr lang="en-US" altLang="zh-TW" sz="6400" b="1" dirty="0">
+              <a:solidFill>
+                <a:srgbClr val="000066"/>
+              </a:solidFill>
+              <a:latin typeface="微軟正黑體" pitchFamily="34" charset="-120"/>
+              <a:ea typeface="微軟正黑體" pitchFamily="34" charset="-120"/>
+            </a:endParaRPr>
+          </a:p>
+          <a:p>
+            <a:pPr marL="0" indent="0" algn="ctr">
+              <a:buNone/>
+            </a:pPr>
+            <a:r>
+              <a:rPr lang="zh-TW" altLang="en-US" sz="6400" b="1" dirty="0">
+                <a:solidFill>
+                  <a:srgbClr val="000066"/>
+                </a:solidFill>
+                <a:latin typeface="微軟正黑體" pitchFamily="34" charset="-120"/>
+                <a:ea typeface="微軟正黑體" pitchFamily="34" charset="-120"/>
+              </a:rPr>
+              <a:t>愛</a:t>
+            </a:r>
+            <a:r>
+              <a:rPr lang="zh-TW" altLang="en-US" sz="6400" b="1" dirty="0">
+                <a:solidFill>
+                  <a:srgbClr val="000066"/>
+                </a:solidFill>
+                <a:latin typeface="微軟正黑體" pitchFamily="34" charset="-120"/>
+                <a:ea typeface="微軟正黑體" pitchFamily="34" charset="-120"/>
+              </a:rPr>
+              <a:t>就在神的愛子</a:t>
+            </a:r>
+            <a:r>
+              <a:rPr lang="zh-TW" altLang="en-US" sz="6400" b="1" dirty="0">
+                <a:solidFill>
+                  <a:srgbClr val="000066"/>
+                </a:solidFill>
+                <a:latin typeface="微軟正黑體" pitchFamily="34" charset="-120"/>
+                <a:ea typeface="微軟正黑體" pitchFamily="34" charset="-120"/>
+              </a:rPr>
+              <a:t>裡</a:t>
+            </a:r>
+            <a:endParaRPr lang="en-US" altLang="zh-TW" sz="6400" b="1" dirty="0">
+              <a:solidFill>
+                <a:srgbClr val="000066"/>
+              </a:solidFill>
+              <a:latin typeface="微軟正黑體" pitchFamily="34" charset="-120"/>
+              <a:ea typeface="微軟正黑體" pitchFamily="34" charset="-120"/>
+            </a:endParaRPr>
+          </a:p>
+        </p:txBody>
+      </p:sp>
+      <p:sp>
+        <p:nvSpPr>
+          <p:cNvPr id="3" name="TextBox 2"/>
+          <p:cNvSpPr txBox="1"/>
+          <p:nvPr/>
+        </p:nvSpPr>
+        <p:spPr>
+          <a:xfrm>
+            <a:off x="0" y="5157192"/>
+            <a:ext cx="12192000" cy="748988"/>
+          </a:xfrm>
+          <a:prstGeom prst="rect">
+            <a:avLst/>
+          </a:prstGeom>
+          <a:noFill/>
+        </p:spPr>
+        <p:txBody>
+          <a:bodyPr wrap="square" rtlCol="0">
+            <a:spAutoFit/>
+          </a:bodyPr>
+          <a:lstStyle/>
+          <a:p>
+            <a:pPr algn="ctr"/>
+            <a:r>
+              <a:rPr lang="en-US" sz="4267" b="1" dirty="0">
+                <a:solidFill>
+                  <a:srgbClr val="000066"/>
+                </a:solidFill>
+                <a:latin typeface="Microsoft JhengHei" panose="020B0604030504040204" pitchFamily="34" charset="-120"/>
+                <a:ea typeface="Microsoft JhengHei" panose="020B0604030504040204" pitchFamily="34" charset="-120"/>
+              </a:rPr>
+              <a:t>( </a:t>
+            </a:r>
+            <a:r>
+              <a:rPr lang="zh-CN" altLang="en-US" sz="4267" b="1" dirty="0" smtClean="0">
+                <a:solidFill>
+                  <a:srgbClr val="000066"/>
+                </a:solidFill>
+                <a:latin typeface="Microsoft JhengHei" panose="020B0604030504040204" pitchFamily="34" charset="-120"/>
+                <a:ea typeface="Microsoft JhengHei" panose="020B0604030504040204" pitchFamily="34" charset="-120"/>
+              </a:rPr>
+              <a:t>副</a:t>
+            </a:r>
+            <a:r>
+              <a:rPr lang="en-US" sz="4267" b="1" dirty="0" smtClean="0">
+                <a:solidFill>
+                  <a:srgbClr val="000066"/>
+                </a:solidFill>
+                <a:latin typeface="Microsoft JhengHei" panose="020B0604030504040204" pitchFamily="34" charset="-120"/>
+                <a:ea typeface="Microsoft JhengHei" panose="020B0604030504040204" pitchFamily="34" charset="-120"/>
+              </a:rPr>
+              <a:t> </a:t>
+            </a:r>
+            <a:r>
+              <a:rPr lang="en-US" sz="4267" b="1" dirty="0">
+                <a:solidFill>
+                  <a:srgbClr val="000066"/>
+                </a:solidFill>
+                <a:latin typeface="Microsoft JhengHei" panose="020B0604030504040204" pitchFamily="34" charset="-120"/>
+                <a:ea typeface="Microsoft JhengHei" panose="020B0604030504040204" pitchFamily="34" charset="-120"/>
+              </a:rPr>
+              <a:t>)</a:t>
+            </a:r>
+            <a:endParaRPr lang="vi-VN" sz="4267" b="1" dirty="0">
+              <a:solidFill>
+                <a:srgbClr val="000066"/>
+              </a:solidFill>
+              <a:ea typeface="Microsoft JhengHei" panose="020B0604030504040204" pitchFamily="34" charset="-120"/>
+            </a:endParaRPr>
+          </a:p>
+        </p:txBody>
+      </p:sp>
+    </p:spTree>
+    <p:extLst>
+      <p:ext uri="{BB962C8B-B14F-4D97-AF65-F5344CB8AC3E}">
+        <p14:creationId xmlns:p14="http://schemas.microsoft.com/office/powerpoint/2010/main" val="2344614281"/>
+      </p:ext>
+    </p:extLst>
+  </p:cSld>
+  <p:clrMapOvr>
+    <a:masterClrMapping/>
+  </p:clrMapOvr>
+</p:sld>
+</file>
+
+<file path=ppt/slides/slide9.xml><?xml version="1.0" encoding="utf-8"?>
+<p:sld xmlns:a="http://schemas.openxmlformats.org/drawingml/2006/main" xmlns:r="http://schemas.openxmlformats.org/officeDocument/2006/relationships" xmlns:p="http://schemas.openxmlformats.org/presentationml/2006/main">
+  <p:cSld>
+    <p:spTree>
+      <p:nvGrpSpPr>
+        <p:cNvPr id="1" name=""/>
+        <p:cNvGrpSpPr/>
+        <p:nvPr/>
+      </p:nvGrpSpPr>
+      <p:grpSpPr>
+        <a:xfrm>
+          <a:off x="0" y="0"/>
+          <a:ext cx="0" cy="0"/>
+          <a:chOff x="0" y="0"/>
+          <a:chExt cx="0" cy="0"/>
+        </a:xfrm>
+      </p:grpSpPr>
+      <p:sp>
+        <p:nvSpPr>
+          <p:cNvPr id="5" name="內容版面配置區 4"/>
+          <p:cNvSpPr>
+            <a:spLocks noGrp="1"/>
+          </p:cNvSpPr>
+          <p:nvPr>
+            <p:ph idx="1"/>
+          </p:nvPr>
+        </p:nvSpPr>
+        <p:spPr>
+          <a:xfrm>
+            <a:off x="0" y="2084851"/>
+            <a:ext cx="12192000" cy="2404863"/>
+          </a:xfrm>
+        </p:spPr>
+        <p:txBody>
+          <a:bodyPr anchor="ctr">
+            <a:normAutofit/>
+          </a:bodyPr>
+          <a:lstStyle/>
+          <a:p>
+            <a:pPr marL="0" indent="0" algn="ctr">
+              <a:buNone/>
+            </a:pPr>
+            <a:r>
+              <a:rPr lang="zh-TW" altLang="en-US" sz="6400" b="1" dirty="0">
+                <a:solidFill>
+                  <a:srgbClr val="000066"/>
+                </a:solidFill>
+                <a:latin typeface="微軟正黑體" pitchFamily="34" charset="-120"/>
+                <a:ea typeface="微軟正黑體" pitchFamily="34" charset="-120"/>
+              </a:rPr>
+              <a:t>愛從何來 愛從何</a:t>
+            </a:r>
+            <a:r>
+              <a:rPr lang="zh-TW" altLang="en-US" sz="6400" b="1" dirty="0">
+                <a:solidFill>
+                  <a:srgbClr val="000066"/>
+                </a:solidFill>
+                <a:latin typeface="微軟正黑體" pitchFamily="34" charset="-120"/>
+                <a:ea typeface="微軟正黑體" pitchFamily="34" charset="-120"/>
+              </a:rPr>
+              <a:t>來</a:t>
+            </a:r>
+            <a:endParaRPr lang="en-US" altLang="zh-TW" sz="6400" b="1" dirty="0">
+              <a:solidFill>
+                <a:srgbClr val="000066"/>
+              </a:solidFill>
+              <a:latin typeface="微軟正黑體" pitchFamily="34" charset="-120"/>
+              <a:ea typeface="微軟正黑體" pitchFamily="34" charset="-120"/>
+            </a:endParaRPr>
+          </a:p>
+          <a:p>
+            <a:pPr marL="0" indent="0" algn="ctr">
+              <a:buNone/>
+            </a:pPr>
+            <a:r>
+              <a:rPr lang="zh-TW" altLang="en-US" sz="6400" b="1" dirty="0">
+                <a:solidFill>
+                  <a:srgbClr val="000066"/>
+                </a:solidFill>
+                <a:latin typeface="微軟正黑體" pitchFamily="34" charset="-120"/>
+                <a:ea typeface="微軟正黑體" pitchFamily="34" charset="-120"/>
+              </a:rPr>
+              <a:t>愛</a:t>
+            </a:r>
+            <a:r>
+              <a:rPr lang="zh-TW" altLang="en-US" sz="6400" b="1" dirty="0">
+                <a:solidFill>
+                  <a:srgbClr val="000066"/>
+                </a:solidFill>
+                <a:latin typeface="微軟正黑體" pitchFamily="34" charset="-120"/>
+                <a:ea typeface="微軟正黑體" pitchFamily="34" charset="-120"/>
+              </a:rPr>
+              <a:t>它是從神而來</a:t>
+            </a:r>
+            <a:endParaRPr lang="en-US" altLang="zh-TW" sz="6400" b="1" dirty="0">
+              <a:solidFill>
+                <a:srgbClr val="000066"/>
+              </a:solidFill>
+              <a:latin typeface="微軟正黑體" pitchFamily="34" charset="-120"/>
+              <a:ea typeface="微軟正黑體" pitchFamily="34" charset="-120"/>
+            </a:endParaRPr>
+          </a:p>
+        </p:txBody>
+      </p:sp>
+      <p:sp>
+        <p:nvSpPr>
+          <p:cNvPr id="3" name="TextBox 2"/>
+          <p:cNvSpPr txBox="1"/>
+          <p:nvPr/>
+        </p:nvSpPr>
+        <p:spPr>
+          <a:xfrm>
+            <a:off x="0" y="5157192"/>
+            <a:ext cx="12192000" cy="748988"/>
+          </a:xfrm>
+          <a:prstGeom prst="rect">
+            <a:avLst/>
+          </a:prstGeom>
+          <a:noFill/>
+        </p:spPr>
+        <p:txBody>
+          <a:bodyPr wrap="square" rtlCol="0">
+            <a:spAutoFit/>
+          </a:bodyPr>
+          <a:lstStyle/>
+          <a:p>
+            <a:pPr algn="ctr"/>
+            <a:r>
+              <a:rPr lang="en-US" sz="4267" b="1" dirty="0" smtClean="0">
+                <a:solidFill>
+                  <a:srgbClr val="000066"/>
+                </a:solidFill>
+                <a:latin typeface="Microsoft JhengHei" panose="020B0604030504040204" pitchFamily="34" charset="-120"/>
+                <a:ea typeface="Microsoft JhengHei" panose="020B0604030504040204" pitchFamily="34" charset="-120"/>
+              </a:rPr>
+              <a:t>( </a:t>
+            </a:r>
+            <a:r>
+              <a:rPr lang="zh-CN" altLang="en-US" sz="4267" b="1" dirty="0" smtClean="0">
+                <a:solidFill>
+                  <a:srgbClr val="000066"/>
+                </a:solidFill>
+                <a:latin typeface="Microsoft JhengHei" panose="020B0604030504040204" pitchFamily="34" charset="-120"/>
+                <a:ea typeface="Microsoft JhengHei" panose="020B0604030504040204" pitchFamily="34" charset="-120"/>
+              </a:rPr>
+              <a:t>副</a:t>
+            </a:r>
+            <a:r>
+              <a:rPr lang="en-US" sz="4267" b="1" dirty="0" smtClean="0">
+                <a:solidFill>
+                  <a:srgbClr val="000066"/>
+                </a:solidFill>
+                <a:latin typeface="Microsoft JhengHei" panose="020B0604030504040204" pitchFamily="34" charset="-120"/>
+                <a:ea typeface="Microsoft JhengHei" panose="020B0604030504040204" pitchFamily="34" charset="-120"/>
+              </a:rPr>
+              <a:t> )</a:t>
+            </a:r>
+            <a:endParaRPr lang="vi-VN" sz="4267" b="1" dirty="0">
+              <a:solidFill>
+                <a:srgbClr val="000066"/>
+              </a:solidFill>
+              <a:ea typeface="Microsoft JhengHei" panose="020B0604030504040204" pitchFamily="34" charset="-120"/>
+            </a:endParaRPr>
+          </a:p>
+        </p:txBody>
+      </p:sp>
+    </p:spTree>
+    <p:extLst>
+      <p:ext uri="{BB962C8B-B14F-4D97-AF65-F5344CB8AC3E}">
+        <p14:creationId xmlns:p14="http://schemas.microsoft.com/office/powerpoint/2010/main" val="3747173432"/>
+      </p:ext>
+    </p:extLst>
+  </p:cSld>
+  <p:clrMapOvr>
+    <a:masterClrMapping/>
+  </p:clrMapOvr>
 </p:sld>
 </file>
 
 <file path=ppt/theme/theme1.xml><?xml version="1.0" encoding="utf-8"?>
-<a:theme xmlns:a="http://schemas.openxmlformats.org/drawingml/2006/main" name="Office 佈景主題">
+<a:theme xmlns:a="http://schemas.openxmlformats.org/drawingml/2006/main" name="Theme1">
   <a:themeElements>
     <a:clrScheme name="Office">
       <a:dk1>
@@ -3854,5 +5056,10 @@
   </a:themeElements>
   <a:objectDefaults/>
   <a:extraClrSchemeLst/>
+  <a:extLst>
+    <a:ext uri="{05A4C25C-085E-4340-85A3-A5531E510DB2}">
+      <thm15:themeFamily xmlns:thm15="http://schemas.microsoft.com/office/thememl/2012/main" name="Theme1" id="{23B7672A-1FE2-4E11-BE12-50D697DE8E2E}" vid="{387DA035-66C8-4D33-A85A-A6A471110951}"/>
+    </a:ext>
+  </a:extLst>
 </a:theme>
 </file>